--- a/Assignment_01/Assignment_03_Presentation.pptx
+++ b/Assignment_01/Assignment_03_Presentation.pptx
@@ -5,17 +5,18 @@
     <p:sldMasterId id="2147483648" r:id="rId1"/>
   </p:sldMasterIdLst>
   <p:sldIdLst>
-    <p:sldId id="256" r:id="rId7"/>
-    <p:sldId id="257" r:id="rId8"/>
-    <p:sldId id="258" r:id="rId9"/>
-    <p:sldId id="259" r:id="rId10"/>
-    <p:sldId id="260" r:id="rId11"/>
-    <p:sldId id="261" r:id="rId12"/>
-    <p:sldId id="262" r:id="rId13"/>
-    <p:sldId id="263" r:id="rId14"/>
-    <p:sldId id="264" r:id="rId15"/>
-    <p:sldId id="265" r:id="rId16"/>
-    <p:sldId id="266" r:id="rId17"/>
+    <p:sldId id="267" r:id="rId2"/>
+    <p:sldId id="256" r:id="rId3"/>
+    <p:sldId id="257" r:id="rId4"/>
+    <p:sldId id="258" r:id="rId5"/>
+    <p:sldId id="259" r:id="rId6"/>
+    <p:sldId id="260" r:id="rId7"/>
+    <p:sldId id="261" r:id="rId8"/>
+    <p:sldId id="262" r:id="rId9"/>
+    <p:sldId id="263" r:id="rId10"/>
+    <p:sldId id="264" r:id="rId11"/>
+    <p:sldId id="265" r:id="rId12"/>
+    <p:sldId id="266" r:id="rId13"/>
   </p:sldIdLst>
   <p:sldSz cx="9144000" cy="6858000" type="screen4x3"/>
   <p:notesSz cx="6858000" cy="9144000"/>
@@ -114,6 +115,22 @@
       </a:defRPr>
     </a:lvl9pPr>
   </p:defaultTextStyle>
+  <p:extLst>
+    <p:ext uri="{EFAFB233-063F-42B5-8137-9DF3F51BA10A}">
+      <p15:sldGuideLst xmlns:p15="http://schemas.microsoft.com/office/powerpoint/2012/main">
+        <p15:guide id="1" orient="horz" pos="2160">
+          <p15:clr>
+            <a:srgbClr val="A4A3A4"/>
+          </p15:clr>
+        </p15:guide>
+        <p15:guide id="2" pos="2880">
+          <p15:clr>
+            <a:srgbClr val="A4A3A4"/>
+          </p15:clr>
+        </p15:guide>
+      </p15:sldGuideLst>
+    </p:ext>
+  </p:extLst>
 </p:presentation>
 </file>
 
@@ -155,10 +172,9 @@
           <a:lstStyle/>
           <a:p>
             <a:r>
-              <a:rPr lang="en-US" smtClean="0"/>
+              <a:rPr lang="en-US"/>
               <a:t>Click to edit Master title style</a:t>
             </a:r>
-            <a:endParaRPr lang="en-US"/>
           </a:p>
         </p:txBody>
       </p:sp>
@@ -274,10 +290,9 @@
           </a:lstStyle>
           <a:p>
             <a:r>
-              <a:rPr lang="en-US" smtClean="0"/>
+              <a:rPr lang="en-US"/>
               <a:t>Click to edit Master subtitle style</a:t>
             </a:r>
-            <a:endParaRPr lang="en-US"/>
           </a:p>
         </p:txBody>
       </p:sp>
@@ -298,7 +313,7 @@
           <a:p>
             <a:fld id="{5BCAD085-E8A6-8845-BD4E-CB4CCA059FC4}" type="datetimeFigureOut">
               <a:rPr lang="en-US" smtClean="0"/>
-              <a:t>1/27/13</a:t>
+              <a:t>1/18/2026</a:t>
             </a:fld>
             <a:endParaRPr lang="en-US"/>
           </a:p>
@@ -392,10 +407,9 @@
           <a:lstStyle/>
           <a:p>
             <a:r>
-              <a:rPr lang="en-US" smtClean="0"/>
+              <a:rPr lang="en-US"/>
               <a:t>Click to edit Master title style</a:t>
             </a:r>
-            <a:endParaRPr lang="en-US"/>
           </a:p>
         </p:txBody>
       </p:sp>
@@ -416,38 +430,37 @@
           <a:p>
             <a:pPr lvl="0"/>
             <a:r>
-              <a:rPr lang="en-US" smtClean="0"/>
+              <a:rPr lang="en-US"/>
               <a:t>Click to edit Master text styles</a:t>
             </a:r>
           </a:p>
           <a:p>
             <a:pPr lvl="1"/>
             <a:r>
-              <a:rPr lang="en-US" smtClean="0"/>
+              <a:rPr lang="en-US"/>
               <a:t>Second level</a:t>
             </a:r>
           </a:p>
           <a:p>
             <a:pPr lvl="2"/>
             <a:r>
-              <a:rPr lang="en-US" smtClean="0"/>
+              <a:rPr lang="en-US"/>
               <a:t>Third level</a:t>
             </a:r>
           </a:p>
           <a:p>
             <a:pPr lvl="3"/>
             <a:r>
-              <a:rPr lang="en-US" smtClean="0"/>
+              <a:rPr lang="en-US"/>
               <a:t>Fourth level</a:t>
             </a:r>
           </a:p>
           <a:p>
             <a:pPr lvl="4"/>
             <a:r>
-              <a:rPr lang="en-US" smtClean="0"/>
+              <a:rPr lang="en-US"/>
               <a:t>Fifth level</a:t>
             </a:r>
-            <a:endParaRPr lang="en-US"/>
           </a:p>
         </p:txBody>
       </p:sp>
@@ -468,7 +481,7 @@
           <a:p>
             <a:fld id="{5BCAD085-E8A6-8845-BD4E-CB4CCA059FC4}" type="datetimeFigureOut">
               <a:rPr lang="en-US" smtClean="0"/>
-              <a:t>1/27/13</a:t>
+              <a:t>1/18/2026</a:t>
             </a:fld>
             <a:endParaRPr lang="en-US"/>
           </a:p>
@@ -567,10 +580,9 @@
           <a:lstStyle/>
           <a:p>
             <a:r>
-              <a:rPr lang="en-US" smtClean="0"/>
+              <a:rPr lang="en-US"/>
               <a:t>Click to edit Master title style</a:t>
             </a:r>
-            <a:endParaRPr lang="en-US"/>
           </a:p>
         </p:txBody>
       </p:sp>
@@ -596,38 +608,37 @@
           <a:p>
             <a:pPr lvl="0"/>
             <a:r>
-              <a:rPr lang="en-US" smtClean="0"/>
+              <a:rPr lang="en-US"/>
               <a:t>Click to edit Master text styles</a:t>
             </a:r>
           </a:p>
           <a:p>
             <a:pPr lvl="1"/>
             <a:r>
-              <a:rPr lang="en-US" smtClean="0"/>
+              <a:rPr lang="en-US"/>
               <a:t>Second level</a:t>
             </a:r>
           </a:p>
           <a:p>
             <a:pPr lvl="2"/>
             <a:r>
-              <a:rPr lang="en-US" smtClean="0"/>
+              <a:rPr lang="en-US"/>
               <a:t>Third level</a:t>
             </a:r>
           </a:p>
           <a:p>
             <a:pPr lvl="3"/>
             <a:r>
-              <a:rPr lang="en-US" smtClean="0"/>
+              <a:rPr lang="en-US"/>
               <a:t>Fourth level</a:t>
             </a:r>
           </a:p>
           <a:p>
             <a:pPr lvl="4"/>
             <a:r>
-              <a:rPr lang="en-US" smtClean="0"/>
+              <a:rPr lang="en-US"/>
               <a:t>Fifth level</a:t>
             </a:r>
-            <a:endParaRPr lang="en-US"/>
           </a:p>
         </p:txBody>
       </p:sp>
@@ -648,7 +659,7 @@
           <a:p>
             <a:fld id="{5BCAD085-E8A6-8845-BD4E-CB4CCA059FC4}" type="datetimeFigureOut">
               <a:rPr lang="en-US" smtClean="0"/>
-              <a:t>1/27/13</a:t>
+              <a:t>1/18/2026</a:t>
             </a:fld>
             <a:endParaRPr lang="en-US"/>
           </a:p>
@@ -742,10 +753,9 @@
           <a:lstStyle/>
           <a:p>
             <a:r>
-              <a:rPr lang="en-US" smtClean="0"/>
+              <a:rPr lang="en-US"/>
               <a:t>Click to edit Master title style</a:t>
             </a:r>
-            <a:endParaRPr lang="en-US"/>
           </a:p>
         </p:txBody>
       </p:sp>
@@ -766,38 +776,37 @@
           <a:p>
             <a:pPr lvl="0"/>
             <a:r>
-              <a:rPr lang="en-US" smtClean="0"/>
+              <a:rPr lang="en-US"/>
               <a:t>Click to edit Master text styles</a:t>
             </a:r>
           </a:p>
           <a:p>
             <a:pPr lvl="1"/>
             <a:r>
-              <a:rPr lang="en-US" smtClean="0"/>
+              <a:rPr lang="en-US"/>
               <a:t>Second level</a:t>
             </a:r>
           </a:p>
           <a:p>
             <a:pPr lvl="2"/>
             <a:r>
-              <a:rPr lang="en-US" smtClean="0"/>
+              <a:rPr lang="en-US"/>
               <a:t>Third level</a:t>
             </a:r>
           </a:p>
           <a:p>
             <a:pPr lvl="3"/>
             <a:r>
-              <a:rPr lang="en-US" smtClean="0"/>
+              <a:rPr lang="en-US"/>
               <a:t>Fourth level</a:t>
             </a:r>
           </a:p>
           <a:p>
             <a:pPr lvl="4"/>
             <a:r>
-              <a:rPr lang="en-US" smtClean="0"/>
+              <a:rPr lang="en-US"/>
               <a:t>Fifth level</a:t>
             </a:r>
-            <a:endParaRPr lang="en-US"/>
           </a:p>
         </p:txBody>
       </p:sp>
@@ -818,7 +827,7 @@
           <a:p>
             <a:fld id="{5BCAD085-E8A6-8845-BD4E-CB4CCA059FC4}" type="datetimeFigureOut">
               <a:rPr lang="en-US" smtClean="0"/>
-              <a:t>1/27/13</a:t>
+              <a:t>1/18/2026</a:t>
             </a:fld>
             <a:endParaRPr lang="en-US"/>
           </a:p>
@@ -921,10 +930,9 @@
           </a:lstStyle>
           <a:p>
             <a:r>
-              <a:rPr lang="en-US" smtClean="0"/>
+              <a:rPr lang="en-US"/>
               <a:t>Click to edit Master title style</a:t>
             </a:r>
-            <a:endParaRPr lang="en-US"/>
           </a:p>
         </p:txBody>
       </p:sp>
@@ -1041,7 +1049,7 @@
           <a:p>
             <a:pPr lvl="0"/>
             <a:r>
-              <a:rPr lang="en-US" smtClean="0"/>
+              <a:rPr lang="en-US"/>
               <a:t>Click to edit Master text styles</a:t>
             </a:r>
           </a:p>
@@ -1064,7 +1072,7 @@
           <a:p>
             <a:fld id="{5BCAD085-E8A6-8845-BD4E-CB4CCA059FC4}" type="datetimeFigureOut">
               <a:rPr lang="en-US" smtClean="0"/>
-              <a:t>1/27/13</a:t>
+              <a:t>1/18/2026</a:t>
             </a:fld>
             <a:endParaRPr lang="en-US"/>
           </a:p>
@@ -1158,10 +1166,9 @@
           <a:lstStyle/>
           <a:p>
             <a:r>
-              <a:rPr lang="en-US" smtClean="0"/>
+              <a:rPr lang="en-US"/>
               <a:t>Click to edit Master title style</a:t>
             </a:r>
-            <a:endParaRPr lang="en-US"/>
           </a:p>
         </p:txBody>
       </p:sp>
@@ -1215,38 +1222,37 @@
           <a:p>
             <a:pPr lvl="0"/>
             <a:r>
-              <a:rPr lang="en-US" smtClean="0"/>
+              <a:rPr lang="en-US"/>
               <a:t>Click to edit Master text styles</a:t>
             </a:r>
           </a:p>
           <a:p>
             <a:pPr lvl="1"/>
             <a:r>
-              <a:rPr lang="en-US" smtClean="0"/>
+              <a:rPr lang="en-US"/>
               <a:t>Second level</a:t>
             </a:r>
           </a:p>
           <a:p>
             <a:pPr lvl="2"/>
             <a:r>
-              <a:rPr lang="en-US" smtClean="0"/>
+              <a:rPr lang="en-US"/>
               <a:t>Third level</a:t>
             </a:r>
           </a:p>
           <a:p>
             <a:pPr lvl="3"/>
             <a:r>
-              <a:rPr lang="en-US" smtClean="0"/>
+              <a:rPr lang="en-US"/>
               <a:t>Fourth level</a:t>
             </a:r>
           </a:p>
           <a:p>
             <a:pPr lvl="4"/>
             <a:r>
-              <a:rPr lang="en-US" smtClean="0"/>
+              <a:rPr lang="en-US"/>
               <a:t>Fifth level</a:t>
             </a:r>
-            <a:endParaRPr lang="en-US"/>
           </a:p>
         </p:txBody>
       </p:sp>
@@ -1300,38 +1306,37 @@
           <a:p>
             <a:pPr lvl="0"/>
             <a:r>
-              <a:rPr lang="en-US" smtClean="0"/>
+              <a:rPr lang="en-US"/>
               <a:t>Click to edit Master text styles</a:t>
             </a:r>
           </a:p>
           <a:p>
             <a:pPr lvl="1"/>
             <a:r>
-              <a:rPr lang="en-US" smtClean="0"/>
+              <a:rPr lang="en-US"/>
               <a:t>Second level</a:t>
             </a:r>
           </a:p>
           <a:p>
             <a:pPr lvl="2"/>
             <a:r>
-              <a:rPr lang="en-US" smtClean="0"/>
+              <a:rPr lang="en-US"/>
               <a:t>Third level</a:t>
             </a:r>
           </a:p>
           <a:p>
             <a:pPr lvl="3"/>
             <a:r>
-              <a:rPr lang="en-US" smtClean="0"/>
+              <a:rPr lang="en-US"/>
               <a:t>Fourth level</a:t>
             </a:r>
           </a:p>
           <a:p>
             <a:pPr lvl="4"/>
             <a:r>
-              <a:rPr lang="en-US" smtClean="0"/>
+              <a:rPr lang="en-US"/>
               <a:t>Fifth level</a:t>
             </a:r>
-            <a:endParaRPr lang="en-US"/>
           </a:p>
         </p:txBody>
       </p:sp>
@@ -1352,7 +1357,7 @@
           <a:p>
             <a:fld id="{5BCAD085-E8A6-8845-BD4E-CB4CCA059FC4}" type="datetimeFigureOut">
               <a:rPr lang="en-US" smtClean="0"/>
-              <a:t>1/27/13</a:t>
+              <a:t>1/18/2026</a:t>
             </a:fld>
             <a:endParaRPr lang="en-US"/>
           </a:p>
@@ -1450,10 +1455,9 @@
           </a:lstStyle>
           <a:p>
             <a:r>
-              <a:rPr lang="en-US" smtClean="0"/>
+              <a:rPr lang="en-US"/>
               <a:t>Click to edit Master title style</a:t>
             </a:r>
-            <a:endParaRPr lang="en-US"/>
           </a:p>
         </p:txBody>
       </p:sp>
@@ -1516,7 +1520,7 @@
           <a:p>
             <a:pPr lvl="0"/>
             <a:r>
-              <a:rPr lang="en-US" smtClean="0"/>
+              <a:rPr lang="en-US"/>
               <a:t>Click to edit Master text styles</a:t>
             </a:r>
           </a:p>
@@ -1572,38 +1576,37 @@
           <a:p>
             <a:pPr lvl="0"/>
             <a:r>
-              <a:rPr lang="en-US" smtClean="0"/>
+              <a:rPr lang="en-US"/>
               <a:t>Click to edit Master text styles</a:t>
             </a:r>
           </a:p>
           <a:p>
             <a:pPr lvl="1"/>
             <a:r>
-              <a:rPr lang="en-US" smtClean="0"/>
+              <a:rPr lang="en-US"/>
               <a:t>Second level</a:t>
             </a:r>
           </a:p>
           <a:p>
             <a:pPr lvl="2"/>
             <a:r>
-              <a:rPr lang="en-US" smtClean="0"/>
+              <a:rPr lang="en-US"/>
               <a:t>Third level</a:t>
             </a:r>
           </a:p>
           <a:p>
             <a:pPr lvl="3"/>
             <a:r>
-              <a:rPr lang="en-US" smtClean="0"/>
+              <a:rPr lang="en-US"/>
               <a:t>Fourth level</a:t>
             </a:r>
           </a:p>
           <a:p>
             <a:pPr lvl="4"/>
             <a:r>
-              <a:rPr lang="en-US" smtClean="0"/>
+              <a:rPr lang="en-US"/>
               <a:t>Fifth level</a:t>
             </a:r>
-            <a:endParaRPr lang="en-US"/>
           </a:p>
         </p:txBody>
       </p:sp>
@@ -1666,7 +1669,7 @@
           <a:p>
             <a:pPr lvl="0"/>
             <a:r>
-              <a:rPr lang="en-US" smtClean="0"/>
+              <a:rPr lang="en-US"/>
               <a:t>Click to edit Master text styles</a:t>
             </a:r>
           </a:p>
@@ -1722,38 +1725,37 @@
           <a:p>
             <a:pPr lvl="0"/>
             <a:r>
-              <a:rPr lang="en-US" smtClean="0"/>
+              <a:rPr lang="en-US"/>
               <a:t>Click to edit Master text styles</a:t>
             </a:r>
           </a:p>
           <a:p>
             <a:pPr lvl="1"/>
             <a:r>
-              <a:rPr lang="en-US" smtClean="0"/>
+              <a:rPr lang="en-US"/>
               <a:t>Second level</a:t>
             </a:r>
           </a:p>
           <a:p>
             <a:pPr lvl="2"/>
             <a:r>
-              <a:rPr lang="en-US" smtClean="0"/>
+              <a:rPr lang="en-US"/>
               <a:t>Third level</a:t>
             </a:r>
           </a:p>
           <a:p>
             <a:pPr lvl="3"/>
             <a:r>
-              <a:rPr lang="en-US" smtClean="0"/>
+              <a:rPr lang="en-US"/>
               <a:t>Fourth level</a:t>
             </a:r>
           </a:p>
           <a:p>
             <a:pPr lvl="4"/>
             <a:r>
-              <a:rPr lang="en-US" smtClean="0"/>
+              <a:rPr lang="en-US"/>
               <a:t>Fifth level</a:t>
             </a:r>
-            <a:endParaRPr lang="en-US"/>
           </a:p>
         </p:txBody>
       </p:sp>
@@ -1774,7 +1776,7 @@
           <a:p>
             <a:fld id="{5BCAD085-E8A6-8845-BD4E-CB4CCA059FC4}" type="datetimeFigureOut">
               <a:rPr lang="en-US" smtClean="0"/>
-              <a:t>1/27/13</a:t>
+              <a:t>1/18/2026</a:t>
             </a:fld>
             <a:endParaRPr lang="en-US"/>
           </a:p>
@@ -1868,10 +1870,9 @@
           <a:lstStyle/>
           <a:p>
             <a:r>
-              <a:rPr lang="en-US" smtClean="0"/>
+              <a:rPr lang="en-US"/>
               <a:t>Click to edit Master title style</a:t>
             </a:r>
-            <a:endParaRPr lang="en-US"/>
           </a:p>
         </p:txBody>
       </p:sp>
@@ -1892,7 +1893,7 @@
           <a:p>
             <a:fld id="{5BCAD085-E8A6-8845-BD4E-CB4CCA059FC4}" type="datetimeFigureOut">
               <a:rPr lang="en-US" smtClean="0"/>
-              <a:t>1/27/13</a:t>
+              <a:t>1/18/2026</a:t>
             </a:fld>
             <a:endParaRPr lang="en-US"/>
           </a:p>
@@ -1987,7 +1988,7 @@
           <a:p>
             <a:fld id="{5BCAD085-E8A6-8845-BD4E-CB4CCA059FC4}" type="datetimeFigureOut">
               <a:rPr lang="en-US" smtClean="0"/>
-              <a:t>1/27/13</a:t>
+              <a:t>1/18/2026</a:t>
             </a:fld>
             <a:endParaRPr lang="en-US"/>
           </a:p>
@@ -2090,10 +2091,9 @@
           </a:lstStyle>
           <a:p>
             <a:r>
-              <a:rPr lang="en-US" smtClean="0"/>
+              <a:rPr lang="en-US"/>
               <a:t>Click to edit Master title style</a:t>
             </a:r>
-            <a:endParaRPr lang="en-US"/>
           </a:p>
         </p:txBody>
       </p:sp>
@@ -2147,38 +2147,37 @@
           <a:p>
             <a:pPr lvl="0"/>
             <a:r>
-              <a:rPr lang="en-US" smtClean="0"/>
+              <a:rPr lang="en-US"/>
               <a:t>Click to edit Master text styles</a:t>
             </a:r>
           </a:p>
           <a:p>
             <a:pPr lvl="1"/>
             <a:r>
-              <a:rPr lang="en-US" smtClean="0"/>
+              <a:rPr lang="en-US"/>
               <a:t>Second level</a:t>
             </a:r>
           </a:p>
           <a:p>
             <a:pPr lvl="2"/>
             <a:r>
-              <a:rPr lang="en-US" smtClean="0"/>
+              <a:rPr lang="en-US"/>
               <a:t>Third level</a:t>
             </a:r>
           </a:p>
           <a:p>
             <a:pPr lvl="3"/>
             <a:r>
-              <a:rPr lang="en-US" smtClean="0"/>
+              <a:rPr lang="en-US"/>
               <a:t>Fourth level</a:t>
             </a:r>
           </a:p>
           <a:p>
             <a:pPr lvl="4"/>
             <a:r>
-              <a:rPr lang="en-US" smtClean="0"/>
+              <a:rPr lang="en-US"/>
               <a:t>Fifth level</a:t>
             </a:r>
-            <a:endParaRPr lang="en-US"/>
           </a:p>
         </p:txBody>
       </p:sp>
@@ -2241,7 +2240,7 @@
           <a:p>
             <a:pPr lvl="0"/>
             <a:r>
-              <a:rPr lang="en-US" smtClean="0"/>
+              <a:rPr lang="en-US"/>
               <a:t>Click to edit Master text styles</a:t>
             </a:r>
           </a:p>
@@ -2264,7 +2263,7 @@
           <a:p>
             <a:fld id="{5BCAD085-E8A6-8845-BD4E-CB4CCA059FC4}" type="datetimeFigureOut">
               <a:rPr lang="en-US" smtClean="0"/>
-              <a:t>1/27/13</a:t>
+              <a:t>1/18/2026</a:t>
             </a:fld>
             <a:endParaRPr lang="en-US"/>
           </a:p>
@@ -2367,10 +2366,9 @@
           </a:lstStyle>
           <a:p>
             <a:r>
-              <a:rPr lang="en-US" smtClean="0"/>
+              <a:rPr lang="en-US"/>
               <a:t>Click to edit Master title style</a:t>
             </a:r>
-            <a:endParaRPr lang="en-US"/>
           </a:p>
         </p:txBody>
       </p:sp>
@@ -2494,7 +2492,7 @@
           <a:p>
             <a:pPr lvl="0"/>
             <a:r>
-              <a:rPr lang="en-US" smtClean="0"/>
+              <a:rPr lang="en-US"/>
               <a:t>Click to edit Master text styles</a:t>
             </a:r>
           </a:p>
@@ -2517,7 +2515,7 @@
           <a:p>
             <a:fld id="{5BCAD085-E8A6-8845-BD4E-CB4CCA059FC4}" type="datetimeFigureOut">
               <a:rPr lang="en-US" smtClean="0"/>
-              <a:t>1/27/13</a:t>
+              <a:t>1/18/2026</a:t>
             </a:fld>
             <a:endParaRPr lang="en-US"/>
           </a:p>
@@ -2626,10 +2624,9 @@
           <a:lstStyle/>
           <a:p>
             <a:r>
-              <a:rPr lang="en-US" smtClean="0"/>
+              <a:rPr lang="en-US"/>
               <a:t>Click to edit Master title style</a:t>
             </a:r>
-            <a:endParaRPr lang="en-US"/>
           </a:p>
         </p:txBody>
       </p:sp>
@@ -2660,38 +2657,37 @@
           <a:p>
             <a:pPr lvl="0"/>
             <a:r>
-              <a:rPr lang="en-US" smtClean="0"/>
+              <a:rPr lang="en-US"/>
               <a:t>Click to edit Master text styles</a:t>
             </a:r>
           </a:p>
           <a:p>
             <a:pPr lvl="1"/>
             <a:r>
-              <a:rPr lang="en-US" smtClean="0"/>
+              <a:rPr lang="en-US"/>
               <a:t>Second level</a:t>
             </a:r>
           </a:p>
           <a:p>
             <a:pPr lvl="2"/>
             <a:r>
-              <a:rPr lang="en-US" smtClean="0"/>
+              <a:rPr lang="en-US"/>
               <a:t>Third level</a:t>
             </a:r>
           </a:p>
           <a:p>
             <a:pPr lvl="3"/>
             <a:r>
-              <a:rPr lang="en-US" smtClean="0"/>
+              <a:rPr lang="en-US"/>
               <a:t>Fourth level</a:t>
             </a:r>
           </a:p>
           <a:p>
             <a:pPr lvl="4"/>
             <a:r>
-              <a:rPr lang="en-US" smtClean="0"/>
+              <a:rPr lang="en-US"/>
               <a:t>Fifth level</a:t>
             </a:r>
-            <a:endParaRPr lang="en-US"/>
           </a:p>
         </p:txBody>
       </p:sp>
@@ -2730,7 +2726,7 @@
           <a:p>
             <a:fld id="{5BCAD085-E8A6-8845-BD4E-CB4CCA059FC4}" type="datetimeFigureOut">
               <a:rPr lang="en-US" smtClean="0"/>
-              <a:t>1/27/13</a:t>
+              <a:t>1/18/2026</a:t>
             </a:fld>
             <a:endParaRPr lang="en-US"/>
           </a:p>
@@ -3089,7 +3085,7 @@
 </file>
 
 <file path=ppt/slides/slide1.xml><?xml version="1.0" encoding="utf-8"?>
-<p:sld xmlns:a="http://schemas.openxmlformats.org/drawingml/2006/main" xmlns:p="http://schemas.openxmlformats.org/presentationml/2006/main" xmlns:r="http://schemas.openxmlformats.org/officeDocument/2006/relationships">
+<p:sld xmlns:a="http://schemas.openxmlformats.org/drawingml/2006/main" xmlns:r="http://schemas.openxmlformats.org/officeDocument/2006/relationships" xmlns:p="http://schemas.openxmlformats.org/presentationml/2006/main">
   <p:cSld>
     <p:spTree>
       <p:nvGrpSpPr>
@@ -3097,10 +3093,23 @@
         <p:cNvGrpSpPr/>
         <p:nvPr/>
       </p:nvGrpSpPr>
-      <p:grpSpPr/>
-      <p:sp>
-        <p:nvSpPr>
-          <p:cNvPr id="2" name="Title 1"/>
+      <p:grpSpPr>
+        <a:xfrm>
+          <a:off x="0" y="0"/>
+          <a:ext cx="0" cy="0"/>
+          <a:chOff x="0" y="0"/>
+          <a:chExt cx="0" cy="0"/>
+        </a:xfrm>
+      </p:grpSpPr>
+      <p:sp>
+        <p:nvSpPr>
+          <p:cNvPr id="2" name="Title 1">
+            <a:extLst>
+              <a:ext uri="{FF2B5EF4-FFF2-40B4-BE49-F238E27FC236}">
+                <a16:creationId xmlns:a16="http://schemas.microsoft.com/office/drawing/2014/main" id="{48EE1AD1-7D77-BCAC-096F-589D73526804}"/>
+              </a:ext>
+            </a:extLst>
+          </p:cNvPr>
           <p:cNvSpPr>
             <a:spLocks noGrp="1"/>
           </p:cNvSpPr>
@@ -3108,59 +3117,114 @@
             <p:ph type="title"/>
           </p:nvPr>
         </p:nvSpPr>
-        <p:spPr/>
-        <p:txBody>
-          <a:bodyPr/>
-          <a:lstStyle/>
-          <a:p>
-            <a:r>
-              <a:t>Problem Statement</a:t>
-            </a:r>
-          </a:p>
-        </p:txBody>
-      </p:sp>
-      <p:sp>
-        <p:nvSpPr>
-          <p:cNvPr id="3" name="Content Placeholder 2"/>
-          <p:cNvSpPr>
-            <a:spLocks noGrp="1"/>
-          </p:cNvSpPr>
-          <p:nvPr>
-            <p:ph idx="1"/>
-          </p:nvPr>
-        </p:nvSpPr>
-        <p:spPr/>
-        <p:txBody>
-          <a:bodyPr/>
-          <a:lstStyle/>
-          <a:p>
-            <a:r>
-              <a:t>• Implement complete fraud detection methodology from Assignment 02</a:t>
-            </a:r>
-          </a:p>
-          <a:p>
-            <a:r>
-              <a:t>• Build and evaluate machine learning models for Ethereum fraud detection</a:t>
-            </a:r>
-          </a:p>
-          <a:p>
-            <a:r>
-              <a:t>• Answer key questions about fraud classification and feature importance</a:t>
-            </a:r>
-          </a:p>
-          <a:p>
-            <a:r>
-              <a:t>• Achieve high accuracy in detecting fraudulent addresses</a:t>
-            </a:r>
-          </a:p>
-          <a:p>
-            <a:r>
-              <a:t>• Provide actionable insights for blockchain security</a:t>
+        <p:spPr>
+          <a:xfrm>
+            <a:off x="457200" y="274638"/>
+            <a:ext cx="8229600" cy="3695196"/>
+          </a:xfrm>
+        </p:spPr>
+        <p:txBody>
+          <a:bodyPr>
+            <a:noAutofit/>
+          </a:bodyPr>
+          <a:lstStyle/>
+          <a:p>
+            <a:r>
+              <a:rPr lang="en-US" b="1" dirty="0">
+                <a:latin typeface="Times New Roman" panose="02020603050405020304" pitchFamily="18" charset="0"/>
+                <a:cs typeface="Times New Roman" panose="02020603050405020304" pitchFamily="18" charset="0"/>
+              </a:rPr>
+              <a:t>Methodology Implementation and Answering Key Questions </a:t>
+            </a:r>
+          </a:p>
+        </p:txBody>
+      </p:sp>
+      <p:sp>
+        <p:nvSpPr>
+          <p:cNvPr id="4" name="TextBox 3">
+            <a:extLst>
+              <a:ext uri="{FF2B5EF4-FFF2-40B4-BE49-F238E27FC236}">
+                <a16:creationId xmlns:a16="http://schemas.microsoft.com/office/drawing/2014/main" id="{5C9DFE5C-52D8-33E3-CF61-6397F96895EA}"/>
+              </a:ext>
+            </a:extLst>
+          </p:cNvPr>
+          <p:cNvSpPr txBox="1"/>
+          <p:nvPr/>
+        </p:nvSpPr>
+        <p:spPr>
+          <a:xfrm>
+            <a:off x="847494" y="4627756"/>
+            <a:ext cx="2329896" cy="461665"/>
+          </a:xfrm>
+          <a:prstGeom prst="rect">
+            <a:avLst/>
+          </a:prstGeom>
+          <a:noFill/>
+        </p:spPr>
+        <p:txBody>
+          <a:bodyPr wrap="square" rtlCol="0">
+            <a:spAutoFit/>
+          </a:bodyPr>
+          <a:lstStyle/>
+          <a:p>
+            <a:r>
+              <a:rPr lang="en-US" sz="2400" b="1">
+                <a:latin typeface="Times New Roman" panose="02020603050405020304" pitchFamily="18" charset="0"/>
+                <a:cs typeface="Times New Roman" panose="02020603050405020304" pitchFamily="18" charset="0"/>
+              </a:rPr>
+              <a:t>Assignment 03</a:t>
+            </a:r>
+            <a:endParaRPr lang="en-US" sz="2400" b="1" dirty="0">
+              <a:latin typeface="Times New Roman" panose="02020603050405020304" pitchFamily="18" charset="0"/>
+              <a:cs typeface="Times New Roman" panose="02020603050405020304" pitchFamily="18" charset="0"/>
+            </a:endParaRPr>
+          </a:p>
+        </p:txBody>
+      </p:sp>
+      <p:sp>
+        <p:nvSpPr>
+          <p:cNvPr id="5" name="TextBox 4">
+            <a:extLst>
+              <a:ext uri="{FF2B5EF4-FFF2-40B4-BE49-F238E27FC236}">
+                <a16:creationId xmlns:a16="http://schemas.microsoft.com/office/drawing/2014/main" id="{601C65CE-29F6-D318-95EB-60CA2B06F312}"/>
+              </a:ext>
+            </a:extLst>
+          </p:cNvPr>
+          <p:cNvSpPr txBox="1"/>
+          <p:nvPr/>
+        </p:nvSpPr>
+        <p:spPr>
+          <a:xfrm>
+            <a:off x="5185317" y="4616605"/>
+            <a:ext cx="3775839" cy="461665"/>
+          </a:xfrm>
+          <a:prstGeom prst="rect">
+            <a:avLst/>
+          </a:prstGeom>
+          <a:noFill/>
+        </p:spPr>
+        <p:txBody>
+          <a:bodyPr wrap="square" rtlCol="0">
+            <a:spAutoFit/>
+          </a:bodyPr>
+          <a:lstStyle/>
+          <a:p>
+            <a:r>
+              <a:rPr lang="en-US" sz="2400" b="1" dirty="0">
+                <a:latin typeface="Times New Roman" panose="02020603050405020304" pitchFamily="18" charset="0"/>
+                <a:cs typeface="Times New Roman" panose="02020603050405020304" pitchFamily="18" charset="0"/>
+              </a:rPr>
+              <a:t>Ahmad Faraz (215154)</a:t>
             </a:r>
           </a:p>
         </p:txBody>
       </p:sp>
     </p:spTree>
+    <p:extLst>
+      <p:ext uri="{BB962C8B-B14F-4D97-AF65-F5344CB8AC3E}">
+        <p14:creationId xmlns:p14="http://schemas.microsoft.com/office/powerpoint/2010/main" val="2192678969"/>
+      </p:ext>
+    </p:extLst>
   </p:cSld>
   <p:clrMapOvr>
     <a:masterClrMapping/>
@@ -3169,7 +3233,7 @@
 </file>
 
 <file path=ppt/slides/slide10.xml><?xml version="1.0" encoding="utf-8"?>
-<p:sld xmlns:a="http://schemas.openxmlformats.org/drawingml/2006/main" xmlns:p="http://schemas.openxmlformats.org/presentationml/2006/main" xmlns:r="http://schemas.openxmlformats.org/officeDocument/2006/relationships">
+<p:sld xmlns:a="http://schemas.openxmlformats.org/drawingml/2006/main" xmlns:r="http://schemas.openxmlformats.org/officeDocument/2006/relationships" xmlns:p="http://schemas.openxmlformats.org/presentationml/2006/main">
   <p:cSld>
     <p:spTree>
       <p:nvGrpSpPr>
@@ -3177,7 +3241,14 @@
         <p:cNvGrpSpPr/>
         <p:nvPr/>
       </p:nvGrpSpPr>
-      <p:grpSpPr/>
+      <p:grpSpPr>
+        <a:xfrm>
+          <a:off x="0" y="0"/>
+          <a:ext cx="0" cy="0"/>
+          <a:chOff x="0" y="0"/>
+          <a:chExt cx="0" cy="0"/>
+        </a:xfrm>
+      </p:grpSpPr>
       <p:sp>
         <p:nvSpPr>
           <p:cNvPr id="2" name="Title 1"/>
@@ -3190,11 +3261,18 @@
         </p:nvSpPr>
         <p:spPr/>
         <p:txBody>
-          <a:bodyPr/>
-          <a:lstStyle/>
-          <a:p>
-            <a:r>
-              <a:t>Feedback and its Analysis</a:t>
+          <a:bodyPr>
+            <a:normAutofit/>
+          </a:bodyPr>
+          <a:lstStyle/>
+          <a:p>
+            <a:pPr algn="l"/>
+            <a:r>
+              <a:rPr sz="3200" b="1" dirty="0">
+                <a:latin typeface="Times New Roman" panose="02020603050405020304" pitchFamily="18" charset="0"/>
+                <a:cs typeface="Times New Roman" panose="02020603050405020304" pitchFamily="18" charset="0"/>
+              </a:rPr>
+              <a:t>Deployment Strategy</a:t>
             </a:r>
           </a:p>
         </p:txBody>
@@ -3211,26 +3289,82 @@
         </p:nvSpPr>
         <p:spPr/>
         <p:txBody>
-          <a:bodyPr/>
-          <a:lstStyle/>
-          <a:p>
-            <a:r>
-              <a:t>• No user feedback collected during model development</a:t>
-            </a:r>
-          </a:p>
-          <a:p>
-            <a:r>
-              <a:t>• Internal validation through cross-evaluation metrics</a:t>
-            </a:r>
-          </a:p>
-          <a:p>
-            <a:r>
-              <a:t>• Model performance validated against test set</a:t>
-            </a:r>
-          </a:p>
-          <a:p>
-            <a:r>
-              <a:t>• Feedback will be collected during deployment phase</a:t>
+          <a:bodyPr>
+            <a:normAutofit/>
+          </a:bodyPr>
+          <a:lstStyle/>
+          <a:p>
+            <a:pPr algn="just"/>
+            <a:r>
+              <a:rPr sz="3000" dirty="0">
+                <a:latin typeface="Times New Roman" panose="02020603050405020304" pitchFamily="18" charset="0"/>
+                <a:cs typeface="Times New Roman" panose="02020603050405020304" pitchFamily="18" charset="0"/>
+              </a:rPr>
+              <a:t>Models serialized using pickle format</a:t>
+            </a:r>
+          </a:p>
+          <a:p>
+            <a:pPr algn="just"/>
+            <a:r>
+              <a:rPr sz="3000" dirty="0">
+                <a:latin typeface="Times New Roman" panose="02020603050405020304" pitchFamily="18" charset="0"/>
+                <a:cs typeface="Times New Roman" panose="02020603050405020304" pitchFamily="18" charset="0"/>
+              </a:rPr>
+              <a:t>Random Forest selected as primary model</a:t>
+            </a:r>
+          </a:p>
+          <a:p>
+            <a:pPr algn="just"/>
+            <a:r>
+              <a:rPr sz="3000" dirty="0">
+                <a:latin typeface="Times New Roman" panose="02020603050405020304" pitchFamily="18" charset="0"/>
+                <a:cs typeface="Times New Roman" panose="02020603050405020304" pitchFamily="18" charset="0"/>
+              </a:rPr>
+              <a:t>Feature scaler saved for Logistic Regression</a:t>
+            </a:r>
+          </a:p>
+          <a:p>
+            <a:pPr algn="just"/>
+            <a:r>
+              <a:rPr sz="3000" dirty="0">
+                <a:latin typeface="Times New Roman" panose="02020603050405020304" pitchFamily="18" charset="0"/>
+                <a:cs typeface="Times New Roman" panose="02020603050405020304" pitchFamily="18" charset="0"/>
+              </a:rPr>
+              <a:t>Models transferred to Assignment 04 for deployment</a:t>
+            </a:r>
+          </a:p>
+          <a:p>
+            <a:pPr algn="just"/>
+            <a:r>
+              <a:rPr sz="3000" dirty="0">
+                <a:latin typeface="Times New Roman" panose="02020603050405020304" pitchFamily="18" charset="0"/>
+                <a:cs typeface="Times New Roman" panose="02020603050405020304" pitchFamily="18" charset="0"/>
+              </a:rPr>
+              <a:t>Web application planned using </a:t>
+            </a:r>
+            <a:r>
+              <a:rPr sz="3000" dirty="0" err="1">
+                <a:latin typeface="Times New Roman" panose="02020603050405020304" pitchFamily="18" charset="0"/>
+                <a:cs typeface="Times New Roman" panose="02020603050405020304" pitchFamily="18" charset="0"/>
+              </a:rPr>
+              <a:t>Streamlit</a:t>
+            </a:r>
+            <a:r>
+              <a:rPr sz="3000" dirty="0">
+                <a:latin typeface="Times New Roman" panose="02020603050405020304" pitchFamily="18" charset="0"/>
+                <a:cs typeface="Times New Roman" panose="02020603050405020304" pitchFamily="18" charset="0"/>
+              </a:rPr>
+              <a:t> framework</a:t>
+            </a:r>
+          </a:p>
+          <a:p>
+            <a:pPr algn="just"/>
+            <a:r>
+              <a:rPr sz="3000" dirty="0">
+                <a:latin typeface="Times New Roman" panose="02020603050405020304" pitchFamily="18" charset="0"/>
+                <a:cs typeface="Times New Roman" panose="02020603050405020304" pitchFamily="18" charset="0"/>
+              </a:rPr>
+              <a:t>User interface for real-time fraud prediction</a:t>
             </a:r>
           </a:p>
         </p:txBody>
@@ -3244,7 +3378,7 @@
 </file>
 
 <file path=ppt/slides/slide11.xml><?xml version="1.0" encoding="utf-8"?>
-<p:sld xmlns:a="http://schemas.openxmlformats.org/drawingml/2006/main" xmlns:p="http://schemas.openxmlformats.org/presentationml/2006/main" xmlns:r="http://schemas.openxmlformats.org/officeDocument/2006/relationships">
+<p:sld xmlns:a="http://schemas.openxmlformats.org/drawingml/2006/main" xmlns:r="http://schemas.openxmlformats.org/officeDocument/2006/relationships" xmlns:p="http://schemas.openxmlformats.org/presentationml/2006/main">
   <p:cSld>
     <p:spTree>
       <p:nvGrpSpPr>
@@ -3252,7 +3386,14 @@
         <p:cNvGrpSpPr/>
         <p:nvPr/>
       </p:nvGrpSpPr>
-      <p:grpSpPr/>
+      <p:grpSpPr>
+        <a:xfrm>
+          <a:off x="0" y="0"/>
+          <a:ext cx="0" cy="0"/>
+          <a:chOff x="0" y="0"/>
+          <a:chExt cx="0" cy="0"/>
+        </a:xfrm>
+      </p:grpSpPr>
       <p:sp>
         <p:nvSpPr>
           <p:cNvPr id="2" name="Title 1"/>
@@ -3265,10 +3406,128 @@
         </p:nvSpPr>
         <p:spPr/>
         <p:txBody>
-          <a:bodyPr/>
-          <a:lstStyle/>
-          <a:p>
-            <a:r>
+          <a:bodyPr>
+            <a:normAutofit/>
+          </a:bodyPr>
+          <a:lstStyle/>
+          <a:p>
+            <a:pPr algn="l"/>
+            <a:r>
+              <a:rPr sz="3200" b="1" dirty="0">
+                <a:latin typeface="Times New Roman" panose="02020603050405020304" pitchFamily="18" charset="0"/>
+                <a:cs typeface="Times New Roman" panose="02020603050405020304" pitchFamily="18" charset="0"/>
+              </a:rPr>
+              <a:t>Feedback and its Analysis</a:t>
+            </a:r>
+          </a:p>
+        </p:txBody>
+      </p:sp>
+      <p:sp>
+        <p:nvSpPr>
+          <p:cNvPr id="3" name="Content Placeholder 2"/>
+          <p:cNvSpPr>
+            <a:spLocks noGrp="1"/>
+          </p:cNvSpPr>
+          <p:nvPr>
+            <p:ph idx="1"/>
+          </p:nvPr>
+        </p:nvSpPr>
+        <p:spPr/>
+        <p:txBody>
+          <a:bodyPr>
+            <a:normAutofit/>
+          </a:bodyPr>
+          <a:lstStyle/>
+          <a:p>
+            <a:pPr algn="just"/>
+            <a:r>
+              <a:rPr sz="3000" dirty="0">
+                <a:latin typeface="Times New Roman" panose="02020603050405020304" pitchFamily="18" charset="0"/>
+                <a:cs typeface="Times New Roman" panose="02020603050405020304" pitchFamily="18" charset="0"/>
+              </a:rPr>
+              <a:t>No user feedback collected during model development</a:t>
+            </a:r>
+          </a:p>
+          <a:p>
+            <a:pPr algn="just"/>
+            <a:r>
+              <a:rPr sz="3000" dirty="0">
+                <a:latin typeface="Times New Roman" panose="02020603050405020304" pitchFamily="18" charset="0"/>
+                <a:cs typeface="Times New Roman" panose="02020603050405020304" pitchFamily="18" charset="0"/>
+              </a:rPr>
+              <a:t>Internal validation through cross-evaluation metrics</a:t>
+            </a:r>
+          </a:p>
+          <a:p>
+            <a:pPr algn="just"/>
+            <a:r>
+              <a:rPr sz="3000" dirty="0">
+                <a:latin typeface="Times New Roman" panose="02020603050405020304" pitchFamily="18" charset="0"/>
+                <a:cs typeface="Times New Roman" panose="02020603050405020304" pitchFamily="18" charset="0"/>
+              </a:rPr>
+              <a:t>Model performance validated against test set</a:t>
+            </a:r>
+          </a:p>
+          <a:p>
+            <a:pPr algn="just"/>
+            <a:r>
+              <a:rPr sz="3000" dirty="0">
+                <a:latin typeface="Times New Roman" panose="02020603050405020304" pitchFamily="18" charset="0"/>
+                <a:cs typeface="Times New Roman" panose="02020603050405020304" pitchFamily="18" charset="0"/>
+              </a:rPr>
+              <a:t>Feedback will be collected during deployment phase</a:t>
+            </a:r>
+          </a:p>
+        </p:txBody>
+      </p:sp>
+    </p:spTree>
+  </p:cSld>
+  <p:clrMapOvr>
+    <a:masterClrMapping/>
+  </p:clrMapOvr>
+</p:sld>
+</file>
+
+<file path=ppt/slides/slide12.xml><?xml version="1.0" encoding="utf-8"?>
+<p:sld xmlns:a="http://schemas.openxmlformats.org/drawingml/2006/main" xmlns:r="http://schemas.openxmlformats.org/officeDocument/2006/relationships" xmlns:p="http://schemas.openxmlformats.org/presentationml/2006/main">
+  <p:cSld>
+    <p:spTree>
+      <p:nvGrpSpPr>
+        <p:cNvPr id="1" name=""/>
+        <p:cNvGrpSpPr/>
+        <p:nvPr/>
+      </p:nvGrpSpPr>
+      <p:grpSpPr>
+        <a:xfrm>
+          <a:off x="0" y="0"/>
+          <a:ext cx="0" cy="0"/>
+          <a:chOff x="0" y="0"/>
+          <a:chExt cx="0" cy="0"/>
+        </a:xfrm>
+      </p:grpSpPr>
+      <p:sp>
+        <p:nvSpPr>
+          <p:cNvPr id="2" name="Title 1"/>
+          <p:cNvSpPr>
+            <a:spLocks noGrp="1"/>
+          </p:cNvSpPr>
+          <p:nvPr>
+            <p:ph type="title"/>
+          </p:nvPr>
+        </p:nvSpPr>
+        <p:spPr/>
+        <p:txBody>
+          <a:bodyPr>
+            <a:normAutofit/>
+          </a:bodyPr>
+          <a:lstStyle/>
+          <a:p>
+            <a:pPr algn="l"/>
+            <a:r>
+              <a:rPr sz="3200" b="1" dirty="0">
+                <a:latin typeface="Times New Roman" panose="02020603050405020304" pitchFamily="18" charset="0"/>
+                <a:cs typeface="Times New Roman" panose="02020603050405020304" pitchFamily="18" charset="0"/>
+              </a:rPr>
               <a:t>Future Goals</a:t>
             </a:r>
           </a:p>
@@ -3286,41 +3545,92 @@
         </p:nvSpPr>
         <p:spPr/>
         <p:txBody>
-          <a:bodyPr/>
-          <a:lstStyle/>
-          <a:p>
-            <a:r>
-              <a:t>• Deploy models using Streamlit web application</a:t>
-            </a:r>
-          </a:p>
-          <a:p>
-            <a:r>
-              <a:t>• Collect user feedback on model usability and accuracy</a:t>
-            </a:r>
-          </a:p>
-          <a:p>
-            <a:r>
-              <a:t>• Implement additional features for better predictions</a:t>
-            </a:r>
-          </a:p>
-          <a:p>
-            <a:r>
-              <a:t>• Improve UI based on user suggestions</a:t>
-            </a:r>
-          </a:p>
-          <a:p>
-            <a:r>
-              <a:t>• Add probability-based risk scoring</a:t>
-            </a:r>
-          </a:p>
-          <a:p>
-            <a:r>
-              <a:t>• Extend to other blockchain networks</a:t>
-            </a:r>
-          </a:p>
-          <a:p>
-            <a:r>
-              <a:t>• Continuous model updates with new data</a:t>
+          <a:bodyPr>
+            <a:normAutofit fontScale="92500" lnSpcReduction="10000"/>
+          </a:bodyPr>
+          <a:lstStyle/>
+          <a:p>
+            <a:pPr algn="just"/>
+            <a:r>
+              <a:rPr dirty="0">
+                <a:latin typeface="Times New Roman" panose="02020603050405020304" pitchFamily="18" charset="0"/>
+                <a:cs typeface="Times New Roman" panose="02020603050405020304" pitchFamily="18" charset="0"/>
+              </a:rPr>
+              <a:t>Deploy models using </a:t>
+            </a:r>
+            <a:r>
+              <a:rPr dirty="0" err="1">
+                <a:latin typeface="Times New Roman" panose="02020603050405020304" pitchFamily="18" charset="0"/>
+                <a:cs typeface="Times New Roman" panose="02020603050405020304" pitchFamily="18" charset="0"/>
+              </a:rPr>
+              <a:t>Streamlit</a:t>
+            </a:r>
+            <a:r>
+              <a:rPr dirty="0">
+                <a:latin typeface="Times New Roman" panose="02020603050405020304" pitchFamily="18" charset="0"/>
+                <a:cs typeface="Times New Roman" panose="02020603050405020304" pitchFamily="18" charset="0"/>
+              </a:rPr>
+              <a:t> web application</a:t>
+            </a:r>
+          </a:p>
+          <a:p>
+            <a:pPr algn="just"/>
+            <a:r>
+              <a:rPr dirty="0">
+                <a:latin typeface="Times New Roman" panose="02020603050405020304" pitchFamily="18" charset="0"/>
+                <a:cs typeface="Times New Roman" panose="02020603050405020304" pitchFamily="18" charset="0"/>
+              </a:rPr>
+              <a:t>Collect user feedback on model usability and accuracy</a:t>
+            </a:r>
+          </a:p>
+          <a:p>
+            <a:pPr algn="just"/>
+            <a:r>
+              <a:rPr dirty="0">
+                <a:latin typeface="Times New Roman" panose="02020603050405020304" pitchFamily="18" charset="0"/>
+                <a:cs typeface="Times New Roman" panose="02020603050405020304" pitchFamily="18" charset="0"/>
+              </a:rPr>
+              <a:t>Implement additional features for better predictions</a:t>
+            </a:r>
+          </a:p>
+          <a:p>
+            <a:pPr algn="just"/>
+            <a:r>
+              <a:rPr dirty="0">
+                <a:latin typeface="Times New Roman" panose="02020603050405020304" pitchFamily="18" charset="0"/>
+                <a:cs typeface="Times New Roman" panose="02020603050405020304" pitchFamily="18" charset="0"/>
+              </a:rPr>
+              <a:t>Improve UI based on user suggestions</a:t>
+            </a:r>
+          </a:p>
+          <a:p>
+            <a:pPr algn="just"/>
+            <a:r>
+              <a:rPr dirty="0">
+                <a:latin typeface="Times New Roman" panose="02020603050405020304" pitchFamily="18" charset="0"/>
+                <a:cs typeface="Times New Roman" panose="02020603050405020304" pitchFamily="18" charset="0"/>
+              </a:rPr>
+              <a:t>Add probability-based risk scoring</a:t>
+            </a:r>
+          </a:p>
+          <a:p>
+            <a:pPr algn="just"/>
+            <a:r>
+              <a:rPr dirty="0">
+                <a:latin typeface="Times New Roman" panose="02020603050405020304" pitchFamily="18" charset="0"/>
+                <a:cs typeface="Times New Roman" panose="02020603050405020304" pitchFamily="18" charset="0"/>
+              </a:rPr>
+              <a:t>Extend to other blockchain networks</a:t>
+            </a:r>
+          </a:p>
+          <a:p>
+            <a:pPr algn="just"/>
+            <a:r>
+              <a:rPr dirty="0">
+                <a:latin typeface="Times New Roman" panose="02020603050405020304" pitchFamily="18" charset="0"/>
+                <a:cs typeface="Times New Roman" panose="02020603050405020304" pitchFamily="18" charset="0"/>
+              </a:rPr>
+              <a:t>Continuous model updates with new data</a:t>
             </a:r>
           </a:p>
         </p:txBody>
@@ -3334,7 +3644,7 @@
 </file>
 
 <file path=ppt/slides/slide2.xml><?xml version="1.0" encoding="utf-8"?>
-<p:sld xmlns:a="http://schemas.openxmlformats.org/drawingml/2006/main" xmlns:p="http://schemas.openxmlformats.org/presentationml/2006/main" xmlns:r="http://schemas.openxmlformats.org/officeDocument/2006/relationships">
+<p:sld xmlns:a="http://schemas.openxmlformats.org/drawingml/2006/main" xmlns:r="http://schemas.openxmlformats.org/officeDocument/2006/relationships" xmlns:p="http://schemas.openxmlformats.org/presentationml/2006/main">
   <p:cSld>
     <p:spTree>
       <p:nvGrpSpPr>
@@ -3342,7 +3652,14 @@
         <p:cNvGrpSpPr/>
         <p:nvPr/>
       </p:nvGrpSpPr>
-      <p:grpSpPr/>
+      <p:grpSpPr>
+        <a:xfrm>
+          <a:off x="0" y="0"/>
+          <a:ext cx="0" cy="0"/>
+          <a:chOff x="0" y="0"/>
+          <a:chExt cx="0" cy="0"/>
+        </a:xfrm>
+      </p:grpSpPr>
       <p:sp>
         <p:nvSpPr>
           <p:cNvPr id="2" name="Title 1"/>
@@ -3355,11 +3672,18 @@
         </p:nvSpPr>
         <p:spPr/>
         <p:txBody>
-          <a:bodyPr/>
-          <a:lstStyle/>
-          <a:p>
-            <a:r>
-              <a:t>Datasets (Sources, Descriptions etc.)</a:t>
+          <a:bodyPr>
+            <a:normAutofit/>
+          </a:bodyPr>
+          <a:lstStyle/>
+          <a:p>
+            <a:pPr algn="l"/>
+            <a:r>
+              <a:rPr sz="3200" b="1" dirty="0">
+                <a:latin typeface="Times New Roman" panose="02020603050405020304" pitchFamily="18" charset="0"/>
+                <a:cs typeface="Times New Roman" panose="02020603050405020304" pitchFamily="18" charset="0"/>
+              </a:rPr>
+              <a:t>Problem Statement</a:t>
             </a:r>
           </a:p>
         </p:txBody>
@@ -3376,36 +3700,58 @@
         </p:nvSpPr>
         <p:spPr/>
         <p:txBody>
-          <a:bodyPr/>
-          <a:lstStyle/>
-          <a:p>
-            <a:r>
-              <a:t>• Dataset: Cleaned_Ethereum_Fraud_Detection.csv</a:t>
-            </a:r>
-          </a:p>
-          <a:p>
-            <a:r>
-              <a:t>• Source: Preprocessed from Assignment 01</a:t>
-            </a:r>
-          </a:p>
-          <a:p>
-            <a:r>
-              <a:t>• Features: 49 columns of transactional and ERC20 metrics</a:t>
-            </a:r>
-          </a:p>
-          <a:p>
-            <a:r>
-              <a:t>• Target: FLAG (binary classification: 0=legitimate, 1=fraudulent)</a:t>
-            </a:r>
-          </a:p>
-          <a:p>
-            <a:r>
-              <a:t>• Split: 75% training, 25% testing with stratification</a:t>
-            </a:r>
-          </a:p>
-          <a:p>
-            <a:r>
-              <a:t>• Class Distribution: Imbalanced (addressed with class weights)</a:t>
+          <a:bodyPr>
+            <a:normAutofit fontScale="92500" lnSpcReduction="20000"/>
+          </a:bodyPr>
+          <a:lstStyle/>
+          <a:p>
+            <a:pPr algn="just"/>
+            <a:r>
+              <a:rPr dirty="0">
+                <a:latin typeface="Times New Roman" panose="02020603050405020304" pitchFamily="18" charset="0"/>
+                <a:cs typeface="Times New Roman" panose="02020603050405020304" pitchFamily="18" charset="0"/>
+              </a:rPr>
+              <a:t>Implement complete fraud detection methodology from Assignment 02</a:t>
+            </a:r>
+          </a:p>
+          <a:p>
+            <a:pPr algn="just"/>
+            <a:r>
+              <a:rPr dirty="0">
+                <a:latin typeface="Times New Roman" panose="02020603050405020304" pitchFamily="18" charset="0"/>
+                <a:cs typeface="Times New Roman" panose="02020603050405020304" pitchFamily="18" charset="0"/>
+              </a:rPr>
+              <a:t>Build and evaluate machine learning models for Ethereum fraud detection</a:t>
+            </a:r>
+          </a:p>
+          <a:p>
+            <a:pPr algn="just"/>
+            <a:r>
+              <a:rPr dirty="0">
+                <a:latin typeface="Times New Roman" panose="02020603050405020304" pitchFamily="18" charset="0"/>
+                <a:cs typeface="Times New Roman" panose="02020603050405020304" pitchFamily="18" charset="0"/>
+              </a:rPr>
+              <a:t>Answer key questions about fraud classification and feature importance</a:t>
+            </a:r>
+          </a:p>
+          <a:p>
+            <a:pPr algn="just"/>
+            <a:r>
+              <a:rPr dirty="0">
+                <a:latin typeface="Times New Roman" panose="02020603050405020304" pitchFamily="18" charset="0"/>
+                <a:cs typeface="Times New Roman" panose="02020603050405020304" pitchFamily="18" charset="0"/>
+              </a:rPr>
+              <a:t>Achieve high accuracy in detecting fraudulent addresses</a:t>
+            </a:r>
+          </a:p>
+          <a:p>
+            <a:pPr algn="just"/>
+            <a:r>
+              <a:rPr dirty="0">
+                <a:latin typeface="Times New Roman" panose="02020603050405020304" pitchFamily="18" charset="0"/>
+                <a:cs typeface="Times New Roman" panose="02020603050405020304" pitchFamily="18" charset="0"/>
+              </a:rPr>
+              <a:t>Provide actionable insights for blockchain security</a:t>
             </a:r>
           </a:p>
         </p:txBody>
@@ -3419,7 +3765,7 @@
 </file>
 
 <file path=ppt/slides/slide3.xml><?xml version="1.0" encoding="utf-8"?>
-<p:sld xmlns:a="http://schemas.openxmlformats.org/drawingml/2006/main" xmlns:p="http://schemas.openxmlformats.org/presentationml/2006/main" xmlns:r="http://schemas.openxmlformats.org/officeDocument/2006/relationships">
+<p:sld xmlns:a="http://schemas.openxmlformats.org/drawingml/2006/main" xmlns:r="http://schemas.openxmlformats.org/officeDocument/2006/relationships" xmlns:p="http://schemas.openxmlformats.org/presentationml/2006/main">
   <p:cSld>
     <p:spTree>
       <p:nvGrpSpPr>
@@ -3427,7 +3773,14 @@
         <p:cNvGrpSpPr/>
         <p:nvPr/>
       </p:nvGrpSpPr>
-      <p:grpSpPr/>
+      <p:grpSpPr>
+        <a:xfrm>
+          <a:off x="0" y="0"/>
+          <a:ext cx="0" cy="0"/>
+          <a:chOff x="0" y="0"/>
+          <a:chExt cx="0" cy="0"/>
+        </a:xfrm>
+      </p:grpSpPr>
       <p:sp>
         <p:nvSpPr>
           <p:cNvPr id="2" name="Title 1"/>
@@ -3440,11 +3793,18 @@
         </p:nvSpPr>
         <p:spPr/>
         <p:txBody>
-          <a:bodyPr/>
-          <a:lstStyle/>
-          <a:p>
-            <a:r>
-              <a:t>Analytical Approach</a:t>
+          <a:bodyPr>
+            <a:normAutofit/>
+          </a:bodyPr>
+          <a:lstStyle/>
+          <a:p>
+            <a:pPr algn="l"/>
+            <a:r>
+              <a:rPr sz="3200" b="1" dirty="0">
+                <a:latin typeface="Times New Roman" panose="02020603050405020304" pitchFamily="18" charset="0"/>
+                <a:cs typeface="Times New Roman" panose="02020603050405020304" pitchFamily="18" charset="0"/>
+              </a:rPr>
+              <a:t>Datasets (Sources, Descriptions etc.)</a:t>
             </a:r>
           </a:p>
         </p:txBody>
@@ -3461,41 +3821,68 @@
         </p:nvSpPr>
         <p:spPr/>
         <p:txBody>
-          <a:bodyPr/>
-          <a:lstStyle/>
-          <a:p>
-            <a:r>
-              <a:t>• Supervised Machine Learning Classification</a:t>
-            </a:r>
-          </a:p>
-          <a:p>
-            <a:r>
-              <a:t>• Feature Selection: Remove non-numeric identifiers</a:t>
-            </a:r>
-          </a:p>
-          <a:p>
-            <a:r>
-              <a:t>• Handle Class Imbalance: Use balanced class weights</a:t>
-            </a:r>
-          </a:p>
-          <a:p>
-            <a:r>
-              <a:t>• Model Training: Logistic Regression and Random Forest</a:t>
-            </a:r>
-          </a:p>
-          <a:p>
-            <a:r>
-              <a:t>• Model Evaluation: Precision, Recall, F1-Score, ROC-AUC</a:t>
-            </a:r>
-          </a:p>
-          <a:p>
-            <a:r>
-              <a:t>• Feature Importance Analysis: Identify key fraud indicators</a:t>
-            </a:r>
-          </a:p>
-          <a:p>
-            <a:r>
-              <a:t>• Answer Research Questions: Classification capability, feature contributions</a:t>
+          <a:bodyPr>
+            <a:normAutofit fontScale="92500" lnSpcReduction="20000"/>
+          </a:bodyPr>
+          <a:lstStyle/>
+          <a:p>
+            <a:pPr algn="just"/>
+            <a:r>
+              <a:rPr dirty="0">
+                <a:latin typeface="Times New Roman" panose="02020603050405020304" pitchFamily="18" charset="0"/>
+                <a:cs typeface="Times New Roman" panose="02020603050405020304" pitchFamily="18" charset="0"/>
+              </a:rPr>
+              <a:t>Dataset: Cleaned_Ethereum_Fraud_Detection.csv</a:t>
+            </a:r>
+          </a:p>
+          <a:p>
+            <a:pPr algn="just"/>
+            <a:r>
+              <a:rPr dirty="0">
+                <a:latin typeface="Times New Roman" panose="02020603050405020304" pitchFamily="18" charset="0"/>
+                <a:cs typeface="Times New Roman" panose="02020603050405020304" pitchFamily="18" charset="0"/>
+              </a:rPr>
+              <a:t>Source: Preprocessed from Assignment 01</a:t>
+            </a:r>
+          </a:p>
+          <a:p>
+            <a:pPr algn="just"/>
+            <a:r>
+              <a:rPr dirty="0">
+                <a:latin typeface="Times New Roman" panose="02020603050405020304" pitchFamily="18" charset="0"/>
+                <a:cs typeface="Times New Roman" panose="02020603050405020304" pitchFamily="18" charset="0"/>
+              </a:rPr>
+              <a:t>Features: 49 columns of transactional and ERC20 metrics</a:t>
+            </a:r>
+          </a:p>
+          <a:p>
+            <a:pPr algn="just"/>
+            <a:r>
+              <a:rPr dirty="0">
+                <a:latin typeface="Times New Roman" panose="02020603050405020304" pitchFamily="18" charset="0"/>
+                <a:cs typeface="Times New Roman" panose="02020603050405020304" pitchFamily="18" charset="0"/>
+              </a:rPr>
+              <a:t>Target: FLAG (binary classification: 0=legitimate, 1=fraudulent)</a:t>
+            </a:r>
+          </a:p>
+          <a:p>
+            <a:pPr algn="just"/>
+            <a:r>
+              <a:rPr dirty="0">
+                <a:latin typeface="Times New Roman" panose="02020603050405020304" pitchFamily="18" charset="0"/>
+                <a:cs typeface="Times New Roman" panose="02020603050405020304" pitchFamily="18" charset="0"/>
+              </a:rPr>
+              <a:t>Split: 75% training, 25% testing with stratification</a:t>
+            </a:r>
+          </a:p>
+          <a:p>
+            <a:pPr algn="just"/>
+            <a:r>
+              <a:rPr dirty="0">
+                <a:latin typeface="Times New Roman" panose="02020603050405020304" pitchFamily="18" charset="0"/>
+                <a:cs typeface="Times New Roman" panose="02020603050405020304" pitchFamily="18" charset="0"/>
+              </a:rPr>
+              <a:t>Class Distribution: Imbalanced (addressed with class weights)</a:t>
             </a:r>
           </a:p>
         </p:txBody>
@@ -3509,7 +3896,7 @@
 </file>
 
 <file path=ppt/slides/slide4.xml><?xml version="1.0" encoding="utf-8"?>
-<p:sld xmlns:a="http://schemas.openxmlformats.org/drawingml/2006/main" xmlns:p="http://schemas.openxmlformats.org/presentationml/2006/main" xmlns:r="http://schemas.openxmlformats.org/officeDocument/2006/relationships">
+<p:sld xmlns:a="http://schemas.openxmlformats.org/drawingml/2006/main" xmlns:r="http://schemas.openxmlformats.org/officeDocument/2006/relationships" xmlns:p="http://schemas.openxmlformats.org/presentationml/2006/main">
   <p:cSld>
     <p:spTree>
       <p:nvGrpSpPr>
@@ -3517,7 +3904,14 @@
         <p:cNvGrpSpPr/>
         <p:nvPr/>
       </p:nvGrpSpPr>
-      <p:grpSpPr/>
+      <p:grpSpPr>
+        <a:xfrm>
+          <a:off x="0" y="0"/>
+          <a:ext cx="0" cy="0"/>
+          <a:chOff x="0" y="0"/>
+          <a:chExt cx="0" cy="0"/>
+        </a:xfrm>
+      </p:grpSpPr>
       <p:sp>
         <p:nvSpPr>
           <p:cNvPr id="2" name="Title 1"/>
@@ -3530,11 +3924,18 @@
         </p:nvSpPr>
         <p:spPr/>
         <p:txBody>
-          <a:bodyPr/>
-          <a:lstStyle/>
-          <a:p>
-            <a:r>
-              <a:t>Your Project Methodology</a:t>
+          <a:bodyPr>
+            <a:normAutofit/>
+          </a:bodyPr>
+          <a:lstStyle/>
+          <a:p>
+            <a:pPr algn="l"/>
+            <a:r>
+              <a:rPr sz="3200" b="1" dirty="0">
+                <a:latin typeface="Times New Roman" panose="02020603050405020304" pitchFamily="18" charset="0"/>
+                <a:cs typeface="Times New Roman" panose="02020603050405020304" pitchFamily="18" charset="0"/>
+              </a:rPr>
+              <a:t>Analytical Approach</a:t>
             </a:r>
           </a:p>
         </p:txBody>
@@ -3551,51 +3952,78 @@
         </p:nvSpPr>
         <p:spPr/>
         <p:txBody>
-          <a:bodyPr/>
-          <a:lstStyle/>
-          <a:p>
-            <a:r>
-              <a:t>• Load and preprocess data (column cleaning)</a:t>
-            </a:r>
-          </a:p>
-          <a:p>
-            <a:r>
-              <a:t>• Feature selection (numeric features only, exclude FLAG)</a:t>
-            </a:r>
-          </a:p>
-          <a:p>
-            <a:r>
-              <a:t>• Train-test split with stratification (75-25)</a:t>
-            </a:r>
-          </a:p>
-          <a:p>
-            <a:r>
-              <a:t>• Feature scaling for Logistic Regression</a:t>
-            </a:r>
-          </a:p>
-          <a:p>
-            <a:r>
-              <a:t>• Train Logistic Regression with class balancing</a:t>
-            </a:r>
-          </a:p>
-          <a:p>
-            <a:r>
-              <a:t>• Train Random Forest (200 estimators) with class balancing</a:t>
-            </a:r>
-          </a:p>
-          <a:p>
-            <a:r>
-              <a:t>• Generate predictions and evaluation metrics</a:t>
-            </a:r>
-          </a:p>
-          <a:p>
-            <a:r>
-              <a:t>• Analyze feature importance</a:t>
-            </a:r>
-          </a:p>
-          <a:p>
-            <a:r>
-              <a:t>• Save trained models for deployment</a:t>
+          <a:bodyPr>
+            <a:normAutofit fontScale="85000" lnSpcReduction="20000"/>
+          </a:bodyPr>
+          <a:lstStyle/>
+          <a:p>
+            <a:pPr algn="just"/>
+            <a:r>
+              <a:rPr dirty="0">
+                <a:latin typeface="Times New Roman" panose="02020603050405020304" pitchFamily="18" charset="0"/>
+                <a:cs typeface="Times New Roman" panose="02020603050405020304" pitchFamily="18" charset="0"/>
+              </a:rPr>
+              <a:t>Supervised Machine Learning Classification</a:t>
+            </a:r>
+          </a:p>
+          <a:p>
+            <a:pPr algn="just"/>
+            <a:r>
+              <a:rPr dirty="0">
+                <a:latin typeface="Times New Roman" panose="02020603050405020304" pitchFamily="18" charset="0"/>
+                <a:cs typeface="Times New Roman" panose="02020603050405020304" pitchFamily="18" charset="0"/>
+              </a:rPr>
+              <a:t>Feature Selection: Remove non-numeric identifiers</a:t>
+            </a:r>
+          </a:p>
+          <a:p>
+            <a:pPr algn="just"/>
+            <a:r>
+              <a:rPr dirty="0">
+                <a:latin typeface="Times New Roman" panose="02020603050405020304" pitchFamily="18" charset="0"/>
+                <a:cs typeface="Times New Roman" panose="02020603050405020304" pitchFamily="18" charset="0"/>
+              </a:rPr>
+              <a:t>Handle Class Imbalance: Use balanced class weights</a:t>
+            </a:r>
+          </a:p>
+          <a:p>
+            <a:pPr algn="just"/>
+            <a:r>
+              <a:rPr dirty="0">
+                <a:latin typeface="Times New Roman" panose="02020603050405020304" pitchFamily="18" charset="0"/>
+                <a:cs typeface="Times New Roman" panose="02020603050405020304" pitchFamily="18" charset="0"/>
+              </a:rPr>
+              <a:t>Model Training: Logistic Regression and Random Forest</a:t>
+            </a:r>
+          </a:p>
+          <a:p>
+            <a:pPr algn="just"/>
+            <a:r>
+              <a:rPr dirty="0">
+                <a:latin typeface="Times New Roman" panose="02020603050405020304" pitchFamily="18" charset="0"/>
+                <a:cs typeface="Times New Roman" panose="02020603050405020304" pitchFamily="18" charset="0"/>
+              </a:rPr>
+              <a:t>Model Evaluation: Precision, Recall, F1-Score, ROC-AUC</a:t>
+            </a:r>
+          </a:p>
+          <a:p>
+            <a:pPr algn="just"/>
+            <a:r>
+              <a:rPr dirty="0">
+                <a:latin typeface="Times New Roman" panose="02020603050405020304" pitchFamily="18" charset="0"/>
+                <a:cs typeface="Times New Roman" panose="02020603050405020304" pitchFamily="18" charset="0"/>
+              </a:rPr>
+              <a:t>Feature Importance Analysis: Identify key fraud indicators</a:t>
+            </a:r>
+          </a:p>
+          <a:p>
+            <a:pPr algn="just"/>
+            <a:r>
+              <a:rPr dirty="0">
+                <a:latin typeface="Times New Roman" panose="02020603050405020304" pitchFamily="18" charset="0"/>
+                <a:cs typeface="Times New Roman" panose="02020603050405020304" pitchFamily="18" charset="0"/>
+              </a:rPr>
+              <a:t>Answer Research Questions: Classification capability, feature contributions</a:t>
             </a:r>
           </a:p>
         </p:txBody>
@@ -3609,7 +4037,7 @@
 </file>
 
 <file path=ppt/slides/slide5.xml><?xml version="1.0" encoding="utf-8"?>
-<p:sld xmlns:a="http://schemas.openxmlformats.org/drawingml/2006/main" xmlns:p="http://schemas.openxmlformats.org/presentationml/2006/main" xmlns:r="http://schemas.openxmlformats.org/officeDocument/2006/relationships">
+<p:sld xmlns:a="http://schemas.openxmlformats.org/drawingml/2006/main" xmlns:r="http://schemas.openxmlformats.org/officeDocument/2006/relationships" xmlns:p="http://schemas.openxmlformats.org/presentationml/2006/main">
   <p:cSld>
     <p:spTree>
       <p:nvGrpSpPr>
@@ -3617,7 +4045,14 @@
         <p:cNvGrpSpPr/>
         <p:nvPr/>
       </p:nvGrpSpPr>
-      <p:grpSpPr/>
+      <p:grpSpPr>
+        <a:xfrm>
+          <a:off x="0" y="0"/>
+          <a:ext cx="0" cy="0"/>
+          <a:chOff x="0" y="0"/>
+          <a:chExt cx="0" cy="0"/>
+        </a:xfrm>
+      </p:grpSpPr>
       <p:sp>
         <p:nvSpPr>
           <p:cNvPr id="2" name="Title 1"/>
@@ -3630,11 +4065,18 @@
         </p:nvSpPr>
         <p:spPr/>
         <p:txBody>
-          <a:bodyPr/>
-          <a:lstStyle/>
-          <a:p>
-            <a:r>
-              <a:t>Preprocessing Techniques</a:t>
+          <a:bodyPr>
+            <a:normAutofit/>
+          </a:bodyPr>
+          <a:lstStyle/>
+          <a:p>
+            <a:pPr algn="l"/>
+            <a:r>
+              <a:rPr sz="3200" b="1" dirty="0">
+                <a:latin typeface="Times New Roman" panose="02020603050405020304" pitchFamily="18" charset="0"/>
+                <a:cs typeface="Times New Roman" panose="02020603050405020304" pitchFamily="18" charset="0"/>
+              </a:rPr>
+              <a:t>Project Methodology</a:t>
             </a:r>
           </a:p>
         </p:txBody>
@@ -3651,36 +4093,98 @@
         </p:nvSpPr>
         <p:spPr/>
         <p:txBody>
-          <a:bodyPr/>
-          <a:lstStyle/>
-          <a:p>
-            <a:r>
-              <a:t>• Column Name Standardization: Lowercase, replace spaces/parentheses</a:t>
-            </a:r>
-          </a:p>
-          <a:p>
-            <a:r>
-              <a:t>• Feature Selection: Remove 'Address' and other non-numeric columns</a:t>
-            </a:r>
-          </a:p>
-          <a:p>
-            <a:r>
-              <a:t>• Train-Test Split: Stratified sampling to preserve class distribution</a:t>
-            </a:r>
-          </a:p>
-          <a:p>
-            <a:r>
-              <a:t>• Feature Scaling: StandardScaler for Logistic Regression</a:t>
-            </a:r>
-          </a:p>
-          <a:p>
-            <a:r>
-              <a:t>• Class Balancing: class_weight='balanced' for both models</a:t>
-            </a:r>
-          </a:p>
-          <a:p>
-            <a:r>
-              <a:t>• Data Type Verification: Ensure numeric features for modeling</a:t>
+          <a:bodyPr>
+            <a:normAutofit fontScale="85000" lnSpcReduction="20000"/>
+          </a:bodyPr>
+          <a:lstStyle/>
+          <a:p>
+            <a:pPr algn="just"/>
+            <a:r>
+              <a:rPr dirty="0">
+                <a:latin typeface="Times New Roman" panose="02020603050405020304" pitchFamily="18" charset="0"/>
+                <a:cs typeface="Times New Roman" panose="02020603050405020304" pitchFamily="18" charset="0"/>
+              </a:rPr>
+              <a:t>Load and preprocess data (column cleaning)</a:t>
+            </a:r>
+          </a:p>
+          <a:p>
+            <a:pPr algn="just"/>
+            <a:r>
+              <a:rPr dirty="0">
+                <a:latin typeface="Times New Roman" panose="02020603050405020304" pitchFamily="18" charset="0"/>
+                <a:cs typeface="Times New Roman" panose="02020603050405020304" pitchFamily="18" charset="0"/>
+              </a:rPr>
+              <a:t>Feature selection (numeric features only, exclude FLAG)</a:t>
+            </a:r>
+          </a:p>
+          <a:p>
+            <a:pPr algn="just"/>
+            <a:r>
+              <a:rPr dirty="0">
+                <a:latin typeface="Times New Roman" panose="02020603050405020304" pitchFamily="18" charset="0"/>
+                <a:cs typeface="Times New Roman" panose="02020603050405020304" pitchFamily="18" charset="0"/>
+              </a:rPr>
+              <a:t>Train-test split with stratification (75-25)</a:t>
+            </a:r>
+          </a:p>
+          <a:p>
+            <a:pPr algn="just"/>
+            <a:r>
+              <a:rPr dirty="0">
+                <a:latin typeface="Times New Roman" panose="02020603050405020304" pitchFamily="18" charset="0"/>
+                <a:cs typeface="Times New Roman" panose="02020603050405020304" pitchFamily="18" charset="0"/>
+              </a:rPr>
+              <a:t>Feature scaling for Logistic Regression</a:t>
+            </a:r>
+          </a:p>
+          <a:p>
+            <a:pPr algn="just"/>
+            <a:r>
+              <a:rPr dirty="0">
+                <a:latin typeface="Times New Roman" panose="02020603050405020304" pitchFamily="18" charset="0"/>
+                <a:cs typeface="Times New Roman" panose="02020603050405020304" pitchFamily="18" charset="0"/>
+              </a:rPr>
+              <a:t>Train Logistic Regression with class balancing</a:t>
+            </a:r>
+          </a:p>
+          <a:p>
+            <a:pPr algn="just"/>
+            <a:r>
+              <a:rPr dirty="0">
+                <a:latin typeface="Times New Roman" panose="02020603050405020304" pitchFamily="18" charset="0"/>
+                <a:cs typeface="Times New Roman" panose="02020603050405020304" pitchFamily="18" charset="0"/>
+              </a:rPr>
+              <a:t>Train Random Forest (200 estimators) with class balancing</a:t>
+            </a:r>
+          </a:p>
+          <a:p>
+            <a:pPr algn="just"/>
+            <a:r>
+              <a:rPr dirty="0">
+                <a:latin typeface="Times New Roman" panose="02020603050405020304" pitchFamily="18" charset="0"/>
+                <a:cs typeface="Times New Roman" panose="02020603050405020304" pitchFamily="18" charset="0"/>
+              </a:rPr>
+              <a:t>Generate predictions and evaluation metrics</a:t>
+            </a:r>
+          </a:p>
+          <a:p>
+            <a:pPr algn="just"/>
+            <a:r>
+              <a:rPr dirty="0">
+                <a:latin typeface="Times New Roman" panose="02020603050405020304" pitchFamily="18" charset="0"/>
+                <a:cs typeface="Times New Roman" panose="02020603050405020304" pitchFamily="18" charset="0"/>
+              </a:rPr>
+              <a:t>Analyze feature importance</a:t>
+            </a:r>
+          </a:p>
+          <a:p>
+            <a:pPr algn="just"/>
+            <a:r>
+              <a:rPr dirty="0">
+                <a:latin typeface="Times New Roman" panose="02020603050405020304" pitchFamily="18" charset="0"/>
+                <a:cs typeface="Times New Roman" panose="02020603050405020304" pitchFamily="18" charset="0"/>
+              </a:rPr>
+              <a:t>Save trained models for deployment</a:t>
             </a:r>
           </a:p>
         </p:txBody>
@@ -3694,7 +4198,7 @@
 </file>
 
 <file path=ppt/slides/slide6.xml><?xml version="1.0" encoding="utf-8"?>
-<p:sld xmlns:a="http://schemas.openxmlformats.org/drawingml/2006/main" xmlns:p="http://schemas.openxmlformats.org/presentationml/2006/main" xmlns:r="http://schemas.openxmlformats.org/officeDocument/2006/relationships">
+<p:sld xmlns:a="http://schemas.openxmlformats.org/drawingml/2006/main" xmlns:r="http://schemas.openxmlformats.org/officeDocument/2006/relationships" xmlns:p="http://schemas.openxmlformats.org/presentationml/2006/main">
   <p:cSld>
     <p:spTree>
       <p:nvGrpSpPr>
@@ -3702,7 +4206,14 @@
         <p:cNvGrpSpPr/>
         <p:nvPr/>
       </p:nvGrpSpPr>
-      <p:grpSpPr/>
+      <p:grpSpPr>
+        <a:xfrm>
+          <a:off x="0" y="0"/>
+          <a:ext cx="0" cy="0"/>
+          <a:chOff x="0" y="0"/>
+          <a:chExt cx="0" cy="0"/>
+        </a:xfrm>
+      </p:grpSpPr>
       <p:sp>
         <p:nvSpPr>
           <p:cNvPr id="2" name="Title 1"/>
@@ -3715,11 +4226,18 @@
         </p:nvSpPr>
         <p:spPr/>
         <p:txBody>
-          <a:bodyPr/>
-          <a:lstStyle/>
-          <a:p>
-            <a:r>
-              <a:t>Models</a:t>
+          <a:bodyPr>
+            <a:normAutofit/>
+          </a:bodyPr>
+          <a:lstStyle/>
+          <a:p>
+            <a:pPr algn="l"/>
+            <a:r>
+              <a:rPr sz="3200" b="1" dirty="0">
+                <a:latin typeface="Times New Roman" panose="02020603050405020304" pitchFamily="18" charset="0"/>
+                <a:cs typeface="Times New Roman" panose="02020603050405020304" pitchFamily="18" charset="0"/>
+              </a:rPr>
+              <a:t>Preprocessing Techniques</a:t>
             </a:r>
           </a:p>
         </p:txBody>
@@ -3736,51 +4254,118 @@
         </p:nvSpPr>
         <p:spPr/>
         <p:txBody>
-          <a:bodyPr/>
-          <a:lstStyle/>
-          <a:p>
-            <a:r>
-              <a:t>• Logistic Regression: Baseline interpretable model</a:t>
-            </a:r>
-          </a:p>
-          <a:p>
-            <a:r>
-              <a:t>  - Max iterations: 1000</a:t>
-            </a:r>
-          </a:p>
-          <a:p>
-            <a:r>
-              <a:t>  - Class weight: balanced</a:t>
-            </a:r>
-          </a:p>
-          <a:p>
-            <a:r>
-              <a:t>  - Requires feature scaling</a:t>
-            </a:r>
-          </a:p>
-          <a:p>
-            <a:r>
-              <a:t>• Random Forest Classifier: Ensemble model for complex patterns</a:t>
-            </a:r>
-          </a:p>
-          <a:p>
-            <a:r>
-              <a:t>  - 200 estimators</a:t>
-            </a:r>
-          </a:p>
-          <a:p>
-            <a:r>
-              <a:t>  - Class weight: balanced</a:t>
-            </a:r>
-          </a:p>
-          <a:p>
-            <a:r>
-              <a:t>  - No scaling required</a:t>
-            </a:r>
-          </a:p>
-          <a:p>
-            <a:r>
-              <a:t>  - Superior performance in evaluation</a:t>
+          <a:bodyPr>
+            <a:normAutofit fontScale="85000" lnSpcReduction="20000"/>
+          </a:bodyPr>
+          <a:lstStyle/>
+          <a:p>
+            <a:r>
+              <a:rPr i="1" dirty="0">
+                <a:latin typeface="Times New Roman" panose="02020603050405020304" pitchFamily="18" charset="0"/>
+                <a:cs typeface="Times New Roman" panose="02020603050405020304" pitchFamily="18" charset="0"/>
+              </a:rPr>
+              <a:t>Column Name Standardization: </a:t>
+            </a:r>
+            <a:r>
+              <a:rPr dirty="0">
+                <a:latin typeface="Times New Roman" panose="02020603050405020304" pitchFamily="18" charset="0"/>
+                <a:cs typeface="Times New Roman" panose="02020603050405020304" pitchFamily="18" charset="0"/>
+              </a:rPr>
+              <a:t>Lowercase, replace spaces/parentheses</a:t>
+            </a:r>
+          </a:p>
+          <a:p>
+            <a:r>
+              <a:rPr i="1" dirty="0">
+                <a:latin typeface="Times New Roman" panose="02020603050405020304" pitchFamily="18" charset="0"/>
+                <a:cs typeface="Times New Roman" panose="02020603050405020304" pitchFamily="18" charset="0"/>
+              </a:rPr>
+              <a:t>Feature Selection: </a:t>
+            </a:r>
+            <a:r>
+              <a:rPr dirty="0">
+                <a:latin typeface="Times New Roman" panose="02020603050405020304" pitchFamily="18" charset="0"/>
+                <a:cs typeface="Times New Roman" panose="02020603050405020304" pitchFamily="18" charset="0"/>
+              </a:rPr>
+              <a:t>Remove 'Address' and other non-numeric columns</a:t>
+            </a:r>
+          </a:p>
+          <a:p>
+            <a:r>
+              <a:rPr i="1" dirty="0">
+                <a:latin typeface="Times New Roman" panose="02020603050405020304" pitchFamily="18" charset="0"/>
+                <a:cs typeface="Times New Roman" panose="02020603050405020304" pitchFamily="18" charset="0"/>
+              </a:rPr>
+              <a:t>Train-Test Split: </a:t>
+            </a:r>
+            <a:r>
+              <a:rPr dirty="0">
+                <a:latin typeface="Times New Roman" panose="02020603050405020304" pitchFamily="18" charset="0"/>
+                <a:cs typeface="Times New Roman" panose="02020603050405020304" pitchFamily="18" charset="0"/>
+              </a:rPr>
+              <a:t>Stratified sampling to preserve class distribution</a:t>
+            </a:r>
+          </a:p>
+          <a:p>
+            <a:r>
+              <a:rPr i="1" dirty="0">
+                <a:latin typeface="Times New Roman" panose="02020603050405020304" pitchFamily="18" charset="0"/>
+                <a:cs typeface="Times New Roman" panose="02020603050405020304" pitchFamily="18" charset="0"/>
+              </a:rPr>
+              <a:t>Feature Scaling: </a:t>
+            </a:r>
+            <a:r>
+              <a:rPr dirty="0" err="1">
+                <a:latin typeface="Times New Roman" panose="02020603050405020304" pitchFamily="18" charset="0"/>
+                <a:cs typeface="Times New Roman" panose="02020603050405020304" pitchFamily="18" charset="0"/>
+              </a:rPr>
+              <a:t>StandardScaler</a:t>
+            </a:r>
+            <a:r>
+              <a:rPr dirty="0">
+                <a:latin typeface="Times New Roman" panose="02020603050405020304" pitchFamily="18" charset="0"/>
+                <a:cs typeface="Times New Roman" panose="02020603050405020304" pitchFamily="18" charset="0"/>
+              </a:rPr>
+              <a:t> for Logistic Regression</a:t>
+            </a:r>
+          </a:p>
+          <a:p>
+            <a:r>
+              <a:rPr i="1" dirty="0">
+                <a:latin typeface="Times New Roman" panose="02020603050405020304" pitchFamily="18" charset="0"/>
+                <a:cs typeface="Times New Roman" panose="02020603050405020304" pitchFamily="18" charset="0"/>
+              </a:rPr>
+              <a:t>Class Balancing: </a:t>
+            </a:r>
+            <a:r>
+              <a:rPr dirty="0" err="1">
+                <a:latin typeface="Times New Roman" panose="02020603050405020304" pitchFamily="18" charset="0"/>
+                <a:cs typeface="Times New Roman" panose="02020603050405020304" pitchFamily="18" charset="0"/>
+              </a:rPr>
+              <a:t>class_weight</a:t>
+            </a:r>
+            <a:r>
+              <a:rPr dirty="0">
+                <a:latin typeface="Times New Roman" panose="02020603050405020304" pitchFamily="18" charset="0"/>
+                <a:cs typeface="Times New Roman" panose="02020603050405020304" pitchFamily="18" charset="0"/>
+              </a:rPr>
+              <a:t>='balanced' for both models</a:t>
+            </a:r>
+          </a:p>
+          <a:p>
+            <a:r>
+              <a:rPr i="1" dirty="0">
+                <a:latin typeface="Times New Roman" panose="02020603050405020304" pitchFamily="18" charset="0"/>
+                <a:cs typeface="Times New Roman" panose="02020603050405020304" pitchFamily="18" charset="0"/>
+              </a:rPr>
+              <a:t>Data Type Verification: </a:t>
+            </a:r>
+            <a:r>
+              <a:rPr dirty="0">
+                <a:latin typeface="Times New Roman" panose="02020603050405020304" pitchFamily="18" charset="0"/>
+                <a:cs typeface="Times New Roman" panose="02020603050405020304" pitchFamily="18" charset="0"/>
+              </a:rPr>
+              <a:t>Ensure numeric features for modeling</a:t>
             </a:r>
           </a:p>
         </p:txBody>
@@ -3794,7 +4379,7 @@
 </file>
 
 <file path=ppt/slides/slide7.xml><?xml version="1.0" encoding="utf-8"?>
-<p:sld xmlns:a="http://schemas.openxmlformats.org/drawingml/2006/main" xmlns:p="http://schemas.openxmlformats.org/presentationml/2006/main" xmlns:r="http://schemas.openxmlformats.org/officeDocument/2006/relationships">
+<p:sld xmlns:a="http://schemas.openxmlformats.org/drawingml/2006/main" xmlns:r="http://schemas.openxmlformats.org/officeDocument/2006/relationships" xmlns:p="http://schemas.openxmlformats.org/presentationml/2006/main">
   <p:cSld>
     <p:spTree>
       <p:nvGrpSpPr>
@@ -3802,7 +4387,14 @@
         <p:cNvGrpSpPr/>
         <p:nvPr/>
       </p:nvGrpSpPr>
-      <p:grpSpPr/>
+      <p:grpSpPr>
+        <a:xfrm>
+          <a:off x="0" y="0"/>
+          <a:ext cx="0" cy="0"/>
+          <a:chOff x="0" y="0"/>
+          <a:chExt cx="0" cy="0"/>
+        </a:xfrm>
+      </p:grpSpPr>
       <p:sp>
         <p:nvSpPr>
           <p:cNvPr id="2" name="Title 1"/>
@@ -3815,11 +4407,18 @@
         </p:nvSpPr>
         <p:spPr/>
         <p:txBody>
-          <a:bodyPr/>
-          <a:lstStyle/>
-          <a:p>
-            <a:r>
-              <a:t>Results</a:t>
+          <a:bodyPr>
+            <a:normAutofit/>
+          </a:bodyPr>
+          <a:lstStyle/>
+          <a:p>
+            <a:pPr algn="l"/>
+            <a:r>
+              <a:rPr sz="3200" b="1" dirty="0">
+                <a:latin typeface="Times New Roman" panose="02020603050405020304" pitchFamily="18" charset="0"/>
+                <a:cs typeface="Times New Roman" panose="02020603050405020304" pitchFamily="18" charset="0"/>
+              </a:rPr>
+              <a:t>Models</a:t>
             </a:r>
           </a:p>
         </p:txBody>
@@ -3834,63 +4433,133 @@
             <p:ph idx="1"/>
           </p:nvPr>
         </p:nvSpPr>
-        <p:spPr/>
-        <p:txBody>
-          <a:bodyPr/>
-          <a:lstStyle/>
-          <a:p>
-            <a:r>
-              <a:t>• Random Forest Performance:</a:t>
-            </a:r>
-          </a:p>
-          <a:p>
-            <a:r>
-              <a:t>  - Accuracy: ~92%</a:t>
-            </a:r>
-          </a:p>
-          <a:p>
-            <a:r>
-              <a:t>  - Precision: ~90%</a:t>
-            </a:r>
-          </a:p>
-          <a:p>
-            <a:r>
-              <a:t>  - Recall: ~95%</a:t>
-            </a:r>
-          </a:p>
-          <a:p>
-            <a:r>
-              <a:t>  - F1-Score: ~92%</a:t>
-            </a:r>
-          </a:p>
-          <a:p>
-            <a:r>
-              <a:t>  - ROC-AUC: 0.94</a:t>
-            </a:r>
-          </a:p>
-          <a:p>
-            <a:r>
-              <a:t>• Logistic Regression Performance:</a:t>
-            </a:r>
-          </a:p>
-          <a:p>
-            <a:r>
-              <a:t>  - Accuracy: ~85%</a:t>
-            </a:r>
-          </a:p>
-          <a:p>
-            <a:r>
-              <a:t>  - ROC-AUC: 0.88</a:t>
-            </a:r>
-          </a:p>
-          <a:p>
-            <a:r>
-              <a:t>• Top Features: ERC20 transaction counts, total transactions, value metrics</a:t>
-            </a:r>
-          </a:p>
-          <a:p>
-            <a:r>
-              <a:t>• Models saved as pickle files for deployment</a:t>
+        <p:spPr>
+          <a:xfrm>
+            <a:off x="457200" y="1612232"/>
+            <a:ext cx="8229600" cy="4525963"/>
+          </a:xfrm>
+        </p:spPr>
+        <p:txBody>
+          <a:bodyPr>
+            <a:normAutofit fontScale="92500" lnSpcReduction="20000"/>
+          </a:bodyPr>
+          <a:lstStyle/>
+          <a:p>
+            <a:pPr algn="just"/>
+            <a:r>
+              <a:rPr i="1" dirty="0">
+                <a:latin typeface="Times New Roman" panose="02020603050405020304" pitchFamily="18" charset="0"/>
+                <a:cs typeface="Times New Roman" panose="02020603050405020304" pitchFamily="18" charset="0"/>
+              </a:rPr>
+              <a:t>Logistic Regression: </a:t>
+            </a:r>
+            <a:r>
+              <a:rPr dirty="0">
+                <a:latin typeface="Times New Roman" panose="02020603050405020304" pitchFamily="18" charset="0"/>
+                <a:cs typeface="Times New Roman" panose="02020603050405020304" pitchFamily="18" charset="0"/>
+              </a:rPr>
+              <a:t>Baseline interpretable model</a:t>
+            </a:r>
+          </a:p>
+          <a:p>
+            <a:pPr marL="0" indent="0" algn="just">
+              <a:buNone/>
+            </a:pPr>
+            <a:r>
+              <a:rPr dirty="0">
+                <a:latin typeface="Times New Roman" panose="02020603050405020304" pitchFamily="18" charset="0"/>
+                <a:cs typeface="Times New Roman" panose="02020603050405020304" pitchFamily="18" charset="0"/>
+              </a:rPr>
+              <a:t>  - Max iterations: 1000</a:t>
+            </a:r>
+          </a:p>
+          <a:p>
+            <a:pPr marL="0" indent="0" algn="just">
+              <a:buNone/>
+            </a:pPr>
+            <a:r>
+              <a:rPr dirty="0">
+                <a:latin typeface="Times New Roman" panose="02020603050405020304" pitchFamily="18" charset="0"/>
+                <a:cs typeface="Times New Roman" panose="02020603050405020304" pitchFamily="18" charset="0"/>
+              </a:rPr>
+              <a:t>  - Class weight: balanced</a:t>
+            </a:r>
+          </a:p>
+          <a:p>
+            <a:pPr marL="0" indent="0" algn="just">
+              <a:buNone/>
+            </a:pPr>
+            <a:r>
+              <a:rPr dirty="0">
+                <a:latin typeface="Times New Roman" panose="02020603050405020304" pitchFamily="18" charset="0"/>
+                <a:cs typeface="Times New Roman" panose="02020603050405020304" pitchFamily="18" charset="0"/>
+              </a:rPr>
+              <a:t>  - Requires feature scaling</a:t>
+            </a:r>
+          </a:p>
+          <a:p>
+            <a:pPr algn="just"/>
+            <a:r>
+              <a:rPr i="1" dirty="0">
+                <a:latin typeface="Times New Roman" panose="02020603050405020304" pitchFamily="18" charset="0"/>
+                <a:cs typeface="Times New Roman" panose="02020603050405020304" pitchFamily="18" charset="0"/>
+              </a:rPr>
+              <a:t>Random Forest Classifier: </a:t>
+            </a:r>
+            <a:r>
+              <a:rPr dirty="0">
+                <a:latin typeface="Times New Roman" panose="02020603050405020304" pitchFamily="18" charset="0"/>
+                <a:cs typeface="Times New Roman" panose="02020603050405020304" pitchFamily="18" charset="0"/>
+              </a:rPr>
+              <a:t>Ensemble model for complex patterns</a:t>
+            </a:r>
+          </a:p>
+          <a:p>
+            <a:pPr marL="0" indent="0" algn="just">
+              <a:buNone/>
+            </a:pPr>
+            <a:r>
+              <a:rPr dirty="0">
+                <a:latin typeface="Times New Roman" panose="02020603050405020304" pitchFamily="18" charset="0"/>
+                <a:cs typeface="Times New Roman" panose="02020603050405020304" pitchFamily="18" charset="0"/>
+              </a:rPr>
+              <a:t>  - 200 estimators</a:t>
+            </a:r>
+          </a:p>
+          <a:p>
+            <a:pPr marL="0" indent="0" algn="just">
+              <a:buNone/>
+            </a:pPr>
+            <a:r>
+              <a:rPr dirty="0">
+                <a:latin typeface="Times New Roman" panose="02020603050405020304" pitchFamily="18" charset="0"/>
+                <a:cs typeface="Times New Roman" panose="02020603050405020304" pitchFamily="18" charset="0"/>
+              </a:rPr>
+              <a:t>  - Class weight: balanced</a:t>
+            </a:r>
+          </a:p>
+          <a:p>
+            <a:pPr marL="0" indent="0" algn="just">
+              <a:buNone/>
+            </a:pPr>
+            <a:r>
+              <a:rPr dirty="0">
+                <a:latin typeface="Times New Roman" panose="02020603050405020304" pitchFamily="18" charset="0"/>
+                <a:cs typeface="Times New Roman" panose="02020603050405020304" pitchFamily="18" charset="0"/>
+              </a:rPr>
+              <a:t>  - No scaling required</a:t>
+            </a:r>
+          </a:p>
+          <a:p>
+            <a:pPr marL="0" indent="0" algn="just">
+              <a:buNone/>
+            </a:pPr>
+            <a:r>
+              <a:rPr dirty="0">
+                <a:latin typeface="Times New Roman" panose="02020603050405020304" pitchFamily="18" charset="0"/>
+                <a:cs typeface="Times New Roman" panose="02020603050405020304" pitchFamily="18" charset="0"/>
+              </a:rPr>
+              <a:t>  - Superior performance in evaluation</a:t>
             </a:r>
           </a:p>
         </p:txBody>
@@ -3904,7 +4573,7 @@
 </file>
 
 <file path=ppt/slides/slide8.xml><?xml version="1.0" encoding="utf-8"?>
-<p:sld xmlns:a="http://schemas.openxmlformats.org/drawingml/2006/main" xmlns:p="http://schemas.openxmlformats.org/presentationml/2006/main" xmlns:r="http://schemas.openxmlformats.org/officeDocument/2006/relationships">
+<p:sld xmlns:a="http://schemas.openxmlformats.org/drawingml/2006/main" xmlns:r="http://schemas.openxmlformats.org/officeDocument/2006/relationships" xmlns:p="http://schemas.openxmlformats.org/presentationml/2006/main">
   <p:cSld>
     <p:spTree>
       <p:nvGrpSpPr>
@@ -3912,7 +4581,14 @@
         <p:cNvGrpSpPr/>
         <p:nvPr/>
       </p:nvGrpSpPr>
-      <p:grpSpPr/>
+      <p:grpSpPr>
+        <a:xfrm>
+          <a:off x="0" y="0"/>
+          <a:ext cx="0" cy="0"/>
+          <a:chOff x="0" y="0"/>
+          <a:chExt cx="0" cy="0"/>
+        </a:xfrm>
+      </p:grpSpPr>
       <p:sp>
         <p:nvSpPr>
           <p:cNvPr id="2" name="Title 1"/>
@@ -3923,13 +4599,25 @@
             <p:ph type="title"/>
           </p:nvPr>
         </p:nvSpPr>
-        <p:spPr/>
-        <p:txBody>
-          <a:bodyPr/>
-          <a:lstStyle/>
-          <a:p>
-            <a:r>
-              <a:t>Your Findings and Conclusions</a:t>
+        <p:spPr>
+          <a:xfrm>
+            <a:off x="457200" y="-296862"/>
+            <a:ext cx="8229600" cy="1143000"/>
+          </a:xfrm>
+        </p:spPr>
+        <p:txBody>
+          <a:bodyPr>
+            <a:normAutofit/>
+          </a:bodyPr>
+          <a:lstStyle/>
+          <a:p>
+            <a:pPr algn="l"/>
+            <a:r>
+              <a:rPr sz="3200" b="1" dirty="0">
+                <a:latin typeface="Times New Roman" panose="02020603050405020304" pitchFamily="18" charset="0"/>
+                <a:cs typeface="Times New Roman" panose="02020603050405020304" pitchFamily="18" charset="0"/>
+              </a:rPr>
+              <a:t>Results</a:t>
             </a:r>
           </a:p>
         </p:txBody>
@@ -3944,43 +4632,146 @@
             <p:ph idx="1"/>
           </p:nvPr>
         </p:nvSpPr>
-        <p:spPr/>
-        <p:txBody>
-          <a:bodyPr/>
-          <a:lstStyle/>
-          <a:p>
-            <a:r>
-              <a:t>• Random Forest outperforms Logistic Regression for fraud detection</a:t>
-            </a:r>
-          </a:p>
-          <a:p>
-            <a:r>
-              <a:t>• ERC20 token activities are strongest fraud indicators</a:t>
-            </a:r>
-          </a:p>
-          <a:p>
-            <a:r>
-              <a:t>• Transaction frequency strongly correlates with fraud likelihood</a:t>
-            </a:r>
-          </a:p>
-          <a:p>
-            <a:r>
-              <a:t>• Models successfully classify fraudulent addresses</a:t>
-            </a:r>
-          </a:p>
-          <a:p>
-            <a:r>
-              <a:t>• Risk scoring possible with probability outputs</a:t>
-            </a:r>
-          </a:p>
-          <a:p>
-            <a:r>
-              <a:t>• Automated detection can reduce manual investigation costs</a:t>
-            </a:r>
-          </a:p>
-          <a:p>
-            <a:r>
-              <a:t>• Methodology proves effective for blockchain fraud detection</a:t>
+        <p:spPr>
+          <a:xfrm>
+            <a:off x="457200" y="842207"/>
+            <a:ext cx="8229600" cy="5702971"/>
+          </a:xfrm>
+        </p:spPr>
+        <p:txBody>
+          <a:bodyPr>
+            <a:noAutofit/>
+          </a:bodyPr>
+          <a:lstStyle/>
+          <a:p>
+            <a:pPr algn="just"/>
+            <a:r>
+              <a:rPr sz="2500" dirty="0">
+                <a:latin typeface="Times New Roman" panose="02020603050405020304" pitchFamily="18" charset="0"/>
+                <a:cs typeface="Times New Roman" panose="02020603050405020304" pitchFamily="18" charset="0"/>
+              </a:rPr>
+              <a:t>Random Forest Performance:</a:t>
+            </a:r>
+          </a:p>
+          <a:p>
+            <a:pPr marL="0" indent="0" algn="just">
+              <a:buNone/>
+            </a:pPr>
+            <a:r>
+              <a:rPr lang="en-US" sz="2500" dirty="0">
+                <a:latin typeface="Times New Roman" panose="02020603050405020304" pitchFamily="18" charset="0"/>
+                <a:cs typeface="Times New Roman" panose="02020603050405020304" pitchFamily="18" charset="0"/>
+              </a:rPr>
+              <a:t> </a:t>
+            </a:r>
+            <a:r>
+              <a:rPr sz="2500" dirty="0">
+                <a:latin typeface="Times New Roman" panose="02020603050405020304" pitchFamily="18" charset="0"/>
+                <a:cs typeface="Times New Roman" panose="02020603050405020304" pitchFamily="18" charset="0"/>
+              </a:rPr>
+              <a:t> - Accuracy: ~92%</a:t>
+            </a:r>
+          </a:p>
+          <a:p>
+            <a:pPr marL="0" indent="0" algn="just">
+              <a:buNone/>
+            </a:pPr>
+            <a:r>
+              <a:rPr sz="2500" dirty="0">
+                <a:latin typeface="Times New Roman" panose="02020603050405020304" pitchFamily="18" charset="0"/>
+                <a:cs typeface="Times New Roman" panose="02020603050405020304" pitchFamily="18" charset="0"/>
+              </a:rPr>
+              <a:t>  - Precision: ~90%</a:t>
+            </a:r>
+          </a:p>
+          <a:p>
+            <a:pPr marL="0" indent="0" algn="just">
+              <a:buNone/>
+            </a:pPr>
+            <a:r>
+              <a:rPr sz="2500" dirty="0">
+                <a:latin typeface="Times New Roman" panose="02020603050405020304" pitchFamily="18" charset="0"/>
+                <a:cs typeface="Times New Roman" panose="02020603050405020304" pitchFamily="18" charset="0"/>
+              </a:rPr>
+              <a:t>  - Recall: ~95%</a:t>
+            </a:r>
+          </a:p>
+          <a:p>
+            <a:pPr marL="0" indent="0" algn="just">
+              <a:buNone/>
+            </a:pPr>
+            <a:r>
+              <a:rPr sz="2500" dirty="0">
+                <a:latin typeface="Times New Roman" panose="02020603050405020304" pitchFamily="18" charset="0"/>
+                <a:cs typeface="Times New Roman" panose="02020603050405020304" pitchFamily="18" charset="0"/>
+              </a:rPr>
+              <a:t>  - F1-Score: ~92%</a:t>
+            </a:r>
+          </a:p>
+          <a:p>
+            <a:pPr marL="0" indent="0" algn="just">
+              <a:buNone/>
+            </a:pPr>
+            <a:r>
+              <a:rPr sz="2500" dirty="0">
+                <a:latin typeface="Times New Roman" panose="02020603050405020304" pitchFamily="18" charset="0"/>
+                <a:cs typeface="Times New Roman" panose="02020603050405020304" pitchFamily="18" charset="0"/>
+              </a:rPr>
+              <a:t>  - ROC-AUC: 0.94</a:t>
+            </a:r>
+          </a:p>
+          <a:p>
+            <a:pPr algn="just"/>
+            <a:r>
+              <a:rPr sz="2500" dirty="0">
+                <a:latin typeface="Times New Roman" panose="02020603050405020304" pitchFamily="18" charset="0"/>
+                <a:cs typeface="Times New Roman" panose="02020603050405020304" pitchFamily="18" charset="0"/>
+              </a:rPr>
+              <a:t>Logistic Regression Performance:</a:t>
+            </a:r>
+          </a:p>
+          <a:p>
+            <a:pPr marL="0" indent="0" algn="just">
+              <a:buNone/>
+            </a:pPr>
+            <a:r>
+              <a:rPr sz="2500" dirty="0">
+                <a:latin typeface="Times New Roman" panose="02020603050405020304" pitchFamily="18" charset="0"/>
+                <a:cs typeface="Times New Roman" panose="02020603050405020304" pitchFamily="18" charset="0"/>
+              </a:rPr>
+              <a:t>  - Accuracy: ~85%</a:t>
+            </a:r>
+          </a:p>
+          <a:p>
+            <a:pPr marL="0" indent="0" algn="just">
+              <a:buNone/>
+            </a:pPr>
+            <a:r>
+              <a:rPr sz="2500" dirty="0">
+                <a:latin typeface="Times New Roman" panose="02020603050405020304" pitchFamily="18" charset="0"/>
+                <a:cs typeface="Times New Roman" panose="02020603050405020304" pitchFamily="18" charset="0"/>
+              </a:rPr>
+              <a:t>  - ROC-AUC: 0.88</a:t>
+            </a:r>
+          </a:p>
+          <a:p>
+            <a:pPr algn="just"/>
+            <a:r>
+              <a:rPr sz="2500" dirty="0">
+                <a:latin typeface="Times New Roman" panose="02020603050405020304" pitchFamily="18" charset="0"/>
+                <a:cs typeface="Times New Roman" panose="02020603050405020304" pitchFamily="18" charset="0"/>
+              </a:rPr>
+              <a:t>Top Features: ERC20 transaction counts, total transactions, value metrics</a:t>
+            </a:r>
+          </a:p>
+          <a:p>
+            <a:pPr algn="just"/>
+            <a:r>
+              <a:rPr sz="2500" dirty="0">
+                <a:latin typeface="Times New Roman" panose="02020603050405020304" pitchFamily="18" charset="0"/>
+                <a:cs typeface="Times New Roman" panose="02020603050405020304" pitchFamily="18" charset="0"/>
+              </a:rPr>
+              <a:t>Models saved as pickle files for deployment</a:t>
             </a:r>
           </a:p>
         </p:txBody>
@@ -3994,7 +4785,7 @@
 </file>
 
 <file path=ppt/slides/slide9.xml><?xml version="1.0" encoding="utf-8"?>
-<p:sld xmlns:a="http://schemas.openxmlformats.org/drawingml/2006/main" xmlns:p="http://schemas.openxmlformats.org/presentationml/2006/main" xmlns:r="http://schemas.openxmlformats.org/officeDocument/2006/relationships">
+<p:sld xmlns:a="http://schemas.openxmlformats.org/drawingml/2006/main" xmlns:r="http://schemas.openxmlformats.org/officeDocument/2006/relationships" xmlns:p="http://schemas.openxmlformats.org/presentationml/2006/main">
   <p:cSld>
     <p:spTree>
       <p:nvGrpSpPr>
@@ -4002,7 +4793,14 @@
         <p:cNvGrpSpPr/>
         <p:nvPr/>
       </p:nvGrpSpPr>
-      <p:grpSpPr/>
+      <p:grpSpPr>
+        <a:xfrm>
+          <a:off x="0" y="0"/>
+          <a:ext cx="0" cy="0"/>
+          <a:chOff x="0" y="0"/>
+          <a:chExt cx="0" cy="0"/>
+        </a:xfrm>
+      </p:grpSpPr>
       <p:sp>
         <p:nvSpPr>
           <p:cNvPr id="2" name="Title 1"/>
@@ -4015,11 +4813,18 @@
         </p:nvSpPr>
         <p:spPr/>
         <p:txBody>
-          <a:bodyPr/>
-          <a:lstStyle/>
-          <a:p>
-            <a:r>
-              <a:t>Deployment Strategy</a:t>
+          <a:bodyPr>
+            <a:normAutofit/>
+          </a:bodyPr>
+          <a:lstStyle/>
+          <a:p>
+            <a:pPr algn="l"/>
+            <a:r>
+              <a:rPr sz="3200" b="1" dirty="0">
+                <a:latin typeface="Times New Roman" panose="02020603050405020304" pitchFamily="18" charset="0"/>
+                <a:cs typeface="Times New Roman" panose="02020603050405020304" pitchFamily="18" charset="0"/>
+              </a:rPr>
+              <a:t>Findings and Conclusions</a:t>
             </a:r>
           </a:p>
         </p:txBody>
@@ -4034,38 +4839,85 @@
             <p:ph idx="1"/>
           </p:nvPr>
         </p:nvSpPr>
-        <p:spPr/>
-        <p:txBody>
-          <a:bodyPr/>
-          <a:lstStyle/>
-          <a:p>
-            <a:r>
-              <a:t>• Models serialized using pickle format</a:t>
-            </a:r>
-          </a:p>
-          <a:p>
-            <a:r>
-              <a:t>• Random Forest selected as primary model</a:t>
-            </a:r>
-          </a:p>
-          <a:p>
-            <a:r>
-              <a:t>• Feature scaler saved for Logistic Regression</a:t>
-            </a:r>
-          </a:p>
-          <a:p>
-            <a:r>
-              <a:t>• Models transferred to Assignment 04 for deployment</a:t>
-            </a:r>
-          </a:p>
-          <a:p>
-            <a:r>
-              <a:t>• Web application planned using Streamlit framework</a:t>
-            </a:r>
-          </a:p>
-          <a:p>
-            <a:r>
-              <a:t>• User interface for real-time fraud prediction</a:t>
+        <p:spPr>
+          <a:xfrm>
+            <a:off x="457200" y="1239254"/>
+            <a:ext cx="8229600" cy="5113420"/>
+          </a:xfrm>
+        </p:spPr>
+        <p:txBody>
+          <a:bodyPr>
+            <a:noAutofit/>
+          </a:bodyPr>
+          <a:lstStyle/>
+          <a:p>
+            <a:pPr algn="just"/>
+            <a:r>
+              <a:rPr sz="2700" dirty="0">
+                <a:latin typeface="Times New Roman" panose="02020603050405020304" pitchFamily="18" charset="0"/>
+                <a:cs typeface="Times New Roman" panose="02020603050405020304" pitchFamily="18" charset="0"/>
+              </a:rPr>
+              <a:t>Random Forest outperforms Logistic Regression for fraud detection</a:t>
+            </a:r>
+          </a:p>
+          <a:p>
+            <a:pPr algn="just"/>
+            <a:r>
+              <a:rPr sz="2700" dirty="0">
+                <a:latin typeface="Times New Roman" panose="02020603050405020304" pitchFamily="18" charset="0"/>
+                <a:cs typeface="Times New Roman" panose="02020603050405020304" pitchFamily="18" charset="0"/>
+              </a:rPr>
+              <a:t>ERC20 token activities are strongest fraud indicators</a:t>
+            </a:r>
+          </a:p>
+          <a:p>
+            <a:pPr algn="just"/>
+            <a:r>
+              <a:rPr sz="2700" dirty="0">
+                <a:latin typeface="Times New Roman" panose="02020603050405020304" pitchFamily="18" charset="0"/>
+                <a:cs typeface="Times New Roman" panose="02020603050405020304" pitchFamily="18" charset="0"/>
+              </a:rPr>
+              <a:t>Transaction frequency strongly correlates with fraud likelihood</a:t>
+            </a:r>
+          </a:p>
+          <a:p>
+            <a:pPr algn="just"/>
+            <a:r>
+              <a:rPr sz="2700" dirty="0">
+                <a:latin typeface="Times New Roman" panose="02020603050405020304" pitchFamily="18" charset="0"/>
+                <a:cs typeface="Times New Roman" panose="02020603050405020304" pitchFamily="18" charset="0"/>
+              </a:rPr>
+              <a:t>Models successfully classify fraudulent addresses</a:t>
+            </a:r>
+          </a:p>
+          <a:p>
+            <a:pPr algn="just"/>
+            <a:r>
+              <a:rPr sz="2700" dirty="0">
+                <a:latin typeface="Times New Roman" panose="02020603050405020304" pitchFamily="18" charset="0"/>
+                <a:cs typeface="Times New Roman" panose="02020603050405020304" pitchFamily="18" charset="0"/>
+              </a:rPr>
+              <a:t>Risk scoring possible with probability outputs</a:t>
+            </a:r>
+          </a:p>
+          <a:p>
+            <a:pPr algn="just"/>
+            <a:r>
+              <a:rPr sz="2700" dirty="0">
+                <a:latin typeface="Times New Roman" panose="02020603050405020304" pitchFamily="18" charset="0"/>
+                <a:cs typeface="Times New Roman" panose="02020603050405020304" pitchFamily="18" charset="0"/>
+              </a:rPr>
+              <a:t>Automated detection can reduce manual investigation costs</a:t>
+            </a:r>
+          </a:p>
+          <a:p>
+            <a:pPr algn="just"/>
+            <a:r>
+              <a:rPr sz="2700" dirty="0">
+                <a:latin typeface="Times New Roman" panose="02020603050405020304" pitchFamily="18" charset="0"/>
+                <a:cs typeface="Times New Roman" panose="02020603050405020304" pitchFamily="18" charset="0"/>
+              </a:rPr>
+              <a:t>Methodology proves effective for blockchain fraud detection</a:t>
             </a:r>
           </a:p>
         </p:txBody>
